--- a/지하철PPT템플릿 고딕.pptx
+++ b/지하철PPT템플릿 고딕.pptx
@@ -11,37 +11,39 @@
     <p:sldId id="259" r:id="rId5"/>
     <p:sldId id="261" r:id="rId6"/>
     <p:sldId id="267" r:id="rId7"/>
-    <p:sldId id="268" r:id="rId8"/>
-    <p:sldId id="271" r:id="rId9"/>
-    <p:sldId id="272" r:id="rId10"/>
-    <p:sldId id="270" r:id="rId11"/>
-    <p:sldId id="273" r:id="rId12"/>
-    <p:sldId id="275" r:id="rId13"/>
-    <p:sldId id="276" r:id="rId14"/>
-    <p:sldId id="264" r:id="rId15"/>
-    <p:sldId id="262" r:id="rId16"/>
-    <p:sldId id="263" r:id="rId17"/>
-    <p:sldId id="265" r:id="rId18"/>
+    <p:sldId id="277" r:id="rId8"/>
+    <p:sldId id="278" r:id="rId9"/>
+    <p:sldId id="268" r:id="rId10"/>
+    <p:sldId id="271" r:id="rId11"/>
+    <p:sldId id="272" r:id="rId12"/>
+    <p:sldId id="270" r:id="rId13"/>
+    <p:sldId id="273" r:id="rId14"/>
+    <p:sldId id="275" r:id="rId15"/>
+    <p:sldId id="276" r:id="rId16"/>
+    <p:sldId id="264" r:id="rId17"/>
+    <p:sldId id="262" r:id="rId18"/>
+    <p:sldId id="263" r:id="rId19"/>
+    <p:sldId id="265" r:id="rId20"/>
   </p:sldIdLst>
   <p:sldSz cx="12192000" cy="6858000"/>
   <p:notesSz cx="6858000" cy="9144000"/>
   <p:embeddedFontLst>
     <p:embeddedFont>
+      <p:font typeface="Adobe Devanagari" panose="02040503050201020203" pitchFamily="18" charset="0"/>
+      <p:regular r:id="rId21"/>
+      <p:bold r:id="rId22"/>
+      <p:italic r:id="rId23"/>
+      <p:boldItalic r:id="rId24"/>
+    </p:embeddedFont>
+    <p:embeddedFont>
       <p:font typeface="Bahnschrift" panose="020B0502040204020203" pitchFamily="34" charset="0"/>
-      <p:regular r:id="rId19"/>
-      <p:bold r:id="rId20"/>
+      <p:regular r:id="rId25"/>
+      <p:bold r:id="rId26"/>
     </p:embeddedFont>
     <p:embeddedFont>
       <p:font typeface="맑은 고딕" panose="020B0503020000020004" pitchFamily="50" charset="-127"/>
-      <p:regular r:id="rId21"/>
-      <p:bold r:id="rId22"/>
-    </p:embeddedFont>
-    <p:embeddedFont>
-      <p:font typeface="Adobe Devanagari" panose="02040503050201020203" pitchFamily="18" charset="0"/>
-      <p:regular r:id="rId23"/>
-      <p:bold r:id="rId24"/>
-      <p:italic r:id="rId25"/>
-      <p:boldItalic r:id="rId26"/>
+      <p:regular r:id="rId27"/>
+      <p:bold r:id="rId28"/>
     </p:embeddedFont>
   </p:embeddedFontLst>
   <p:defaultTextStyle>
@@ -3624,6 +3626,1652 @@
                 <a:latin typeface="맑은 고딕" panose="020B0503020000020004" pitchFamily="50" charset="-127"/>
                 <a:ea typeface="맑은 고딕" panose="020B0503020000020004" pitchFamily="50" charset="-127"/>
               </a:rPr>
+              <a:t>기능 </a:t>
+            </a:r>
+            <a:r>
+              <a:rPr lang="ko-KR" altLang="en-US" sz="2800" dirty="0" smtClean="0">
+                <a:latin typeface="맑은 고딕" panose="020B0503020000020004" pitchFamily="50" charset="-127"/>
+                <a:ea typeface="맑은 고딕" panose="020B0503020000020004" pitchFamily="50" charset="-127"/>
+              </a:rPr>
+              <a:t>상세</a:t>
+            </a:r>
+            <a:endParaRPr lang="en-US" altLang="ko-KR" sz="2800" dirty="0" smtClean="0">
+              <a:latin typeface="맑은 고딕" panose="020B0503020000020004" pitchFamily="50" charset="-127"/>
+              <a:ea typeface="맑은 고딕" panose="020B0503020000020004" pitchFamily="50" charset="-127"/>
+            </a:endParaRPr>
+          </a:p>
+        </p:txBody>
+      </p:sp>
+      <p:sp>
+        <p:nvSpPr>
+          <p:cNvPr id="9" name="TextBox 8"/>
+          <p:cNvSpPr txBox="1"/>
+          <p:nvPr/>
+        </p:nvSpPr>
+        <p:spPr>
+          <a:xfrm>
+            <a:off x="827833" y="466424"/>
+            <a:ext cx="493144" cy="646331"/>
+          </a:xfrm>
+          <a:prstGeom prst="rect">
+            <a:avLst/>
+          </a:prstGeom>
+          <a:noFill/>
+        </p:spPr>
+        <p:txBody>
+          <a:bodyPr wrap="square" rtlCol="0">
+            <a:spAutoFit/>
+          </a:bodyPr>
+          <a:lstStyle/>
+          <a:p>
+            <a:r>
+              <a:rPr lang="en-US" altLang="ko-KR" sz="3600" b="1" dirty="0" smtClean="0">
+                <a:solidFill>
+                  <a:schemeClr val="bg1"/>
+                </a:solidFill>
+                <a:latin typeface="맑은 고딕" panose="020B0503020000020004" pitchFamily="50" charset="-127"/>
+                <a:ea typeface="맑은 고딕" panose="020B0503020000020004" pitchFamily="50" charset="-127"/>
+              </a:rPr>
+              <a:t>3</a:t>
+            </a:r>
+            <a:endParaRPr lang="ko-KR" altLang="en-US" sz="3600" b="1" dirty="0">
+              <a:solidFill>
+                <a:schemeClr val="bg1"/>
+              </a:solidFill>
+              <a:latin typeface="맑은 고딕" panose="020B0503020000020004" pitchFamily="50" charset="-127"/>
+              <a:ea typeface="맑은 고딕" panose="020B0503020000020004" pitchFamily="50" charset="-127"/>
+            </a:endParaRPr>
+          </a:p>
+        </p:txBody>
+      </p:sp>
+      <p:sp>
+        <p:nvSpPr>
+          <p:cNvPr id="8" name="타원 7"/>
+          <p:cNvSpPr/>
+          <p:nvPr/>
+        </p:nvSpPr>
+        <p:spPr>
+          <a:xfrm>
+            <a:off x="1074405" y="1877321"/>
+            <a:ext cx="557048" cy="557048"/>
+          </a:xfrm>
+          <a:prstGeom prst="ellipse">
+            <a:avLst/>
+          </a:prstGeom>
+          <a:solidFill>
+            <a:srgbClr val="64C044"/>
+          </a:solidFill>
+          <a:ln>
+            <a:noFill/>
+          </a:ln>
+        </p:spPr>
+        <p:style>
+          <a:lnRef idx="2">
+            <a:schemeClr val="accent1">
+              <a:shade val="50000"/>
+            </a:schemeClr>
+          </a:lnRef>
+          <a:fillRef idx="1">
+            <a:schemeClr val="accent1"/>
+          </a:fillRef>
+          <a:effectRef idx="0">
+            <a:schemeClr val="accent1"/>
+          </a:effectRef>
+          <a:fontRef idx="minor">
+            <a:schemeClr val="lt1"/>
+          </a:fontRef>
+        </p:style>
+        <p:txBody>
+          <a:bodyPr rtlCol="0" anchor="ctr"/>
+          <a:lstStyle/>
+          <a:p>
+            <a:pPr algn="ctr"/>
+            <a:r>
+              <a:rPr lang="en-US" altLang="ko-KR" sz="2400" b="1" dirty="0" smtClean="0">
+                <a:latin typeface="맑은 고딕" panose="020B0503020000020004" pitchFamily="50" charset="-127"/>
+                <a:ea typeface="맑은 고딕" panose="020B0503020000020004" pitchFamily="50" charset="-127"/>
+              </a:rPr>
+              <a:t>2</a:t>
+            </a:r>
+            <a:endParaRPr lang="ko-KR" altLang="en-US" sz="2400" b="1" dirty="0">
+              <a:latin typeface="맑은 고딕" panose="020B0503020000020004" pitchFamily="50" charset="-127"/>
+              <a:ea typeface="맑은 고딕" panose="020B0503020000020004" pitchFamily="50" charset="-127"/>
+            </a:endParaRPr>
+          </a:p>
+        </p:txBody>
+      </p:sp>
+      <p:sp>
+        <p:nvSpPr>
+          <p:cNvPr id="10" name="TextBox 9"/>
+          <p:cNvSpPr txBox="1"/>
+          <p:nvPr/>
+        </p:nvSpPr>
+        <p:spPr>
+          <a:xfrm>
+            <a:off x="1841107" y="1961134"/>
+            <a:ext cx="1420582" cy="369332"/>
+          </a:xfrm>
+          <a:prstGeom prst="rect">
+            <a:avLst/>
+          </a:prstGeom>
+          <a:noFill/>
+        </p:spPr>
+        <p:txBody>
+          <a:bodyPr wrap="none" rtlCol="0">
+            <a:spAutoFit/>
+          </a:bodyPr>
+          <a:lstStyle/>
+          <a:p>
+            <a:r>
+              <a:rPr lang="ko-KR" altLang="en-US" dirty="0" smtClean="0">
+                <a:ea typeface="맑은 고딕" panose="020B0503020000020004" pitchFamily="50" charset="-127"/>
+              </a:rPr>
+              <a:t>노선도 구현</a:t>
+            </a:r>
+            <a:endParaRPr lang="ko-KR" altLang="en-US" dirty="0">
+              <a:ea typeface="맑은 고딕" panose="020B0503020000020004" pitchFamily="50" charset="-127"/>
+            </a:endParaRPr>
+          </a:p>
+        </p:txBody>
+      </p:sp>
+      <p:sp>
+        <p:nvSpPr>
+          <p:cNvPr id="11" name="직사각형 10"/>
+          <p:cNvSpPr/>
+          <p:nvPr/>
+        </p:nvSpPr>
+        <p:spPr>
+          <a:xfrm>
+            <a:off x="1174587" y="3133797"/>
+            <a:ext cx="9407515" cy="307777"/>
+          </a:xfrm>
+          <a:prstGeom prst="rect">
+            <a:avLst/>
+          </a:prstGeom>
+        </p:spPr>
+        <p:txBody>
+          <a:bodyPr wrap="square">
+            <a:spAutoFit/>
+          </a:bodyPr>
+          <a:lstStyle/>
+          <a:p>
+            <a:r>
+              <a:rPr lang="en-US" altLang="ko-KR" sz="1400" dirty="0" smtClean="0">
+                <a:latin typeface="Adobe Devanagari" panose="02040503050201020203" pitchFamily="18" charset="0"/>
+              </a:rPr>
+              <a:t>www.kalyani.com/blog/2010/10/08/subway-map-visualization-jquery-plugin</a:t>
+            </a:r>
+            <a:r>
+              <a:rPr lang="en-US" altLang="ko-KR" sz="1050" dirty="0">
+                <a:latin typeface="Adobe Devanagari" panose="02040503050201020203" pitchFamily="18" charset="0"/>
+                <a:ea typeface="맑은 고딕" panose="020B0503020000020004" pitchFamily="50" charset="-127"/>
+              </a:rPr>
+              <a:t>/</a:t>
+            </a:r>
+            <a:endParaRPr lang="ko-KR" altLang="en-US" sz="1050" dirty="0">
+              <a:latin typeface="Adobe Devanagari" panose="02040503050201020203" pitchFamily="18" charset="0"/>
+              <a:ea typeface="맑은 고딕" panose="020B0503020000020004" pitchFamily="50" charset="-127"/>
+            </a:endParaRPr>
+          </a:p>
+        </p:txBody>
+      </p:sp>
+      <p:pic>
+        <p:nvPicPr>
+          <p:cNvPr id="15" name="그림 14"/>
+          <p:cNvPicPr>
+            <a:picLocks noChangeAspect="1"/>
+          </p:cNvPicPr>
+          <p:nvPr/>
+        </p:nvPicPr>
+        <p:blipFill>
+          <a:blip r:embed="rId2"/>
+          <a:stretch>
+            <a:fillRect/>
+          </a:stretch>
+        </p:blipFill>
+        <p:spPr>
+          <a:xfrm>
+            <a:off x="472966" y="4131372"/>
+            <a:ext cx="7210425" cy="1524000"/>
+          </a:xfrm>
+          <a:prstGeom prst="rect">
+            <a:avLst/>
+          </a:prstGeom>
+          <a:ln w="76200">
+            <a:solidFill>
+              <a:schemeClr val="bg2">
+                <a:lumMod val="90000"/>
+              </a:schemeClr>
+            </a:solidFill>
+          </a:ln>
+        </p:spPr>
+      </p:pic>
+      <p:pic>
+        <p:nvPicPr>
+          <p:cNvPr id="16" name="그림 15"/>
+          <p:cNvPicPr>
+            <a:picLocks noChangeAspect="1"/>
+          </p:cNvPicPr>
+          <p:nvPr/>
+        </p:nvPicPr>
+        <p:blipFill>
+          <a:blip r:embed="rId3"/>
+          <a:stretch>
+            <a:fillRect/>
+          </a:stretch>
+        </p:blipFill>
+        <p:spPr>
+          <a:xfrm>
+            <a:off x="7883371" y="3594683"/>
+            <a:ext cx="4029075" cy="2438400"/>
+          </a:xfrm>
+          <a:prstGeom prst="rect">
+            <a:avLst/>
+          </a:prstGeom>
+          <a:ln w="76200">
+            <a:solidFill>
+              <a:schemeClr val="bg2">
+                <a:lumMod val="90000"/>
+              </a:schemeClr>
+            </a:solidFill>
+          </a:ln>
+          <a:effectLst/>
+        </p:spPr>
+        <p:style>
+          <a:lnRef idx="2">
+            <a:schemeClr val="dk1"/>
+          </a:lnRef>
+          <a:fillRef idx="1">
+            <a:schemeClr val="lt1"/>
+          </a:fillRef>
+          <a:effectRef idx="0">
+            <a:schemeClr val="dk1"/>
+          </a:effectRef>
+          <a:fontRef idx="minor">
+            <a:schemeClr val="dk1"/>
+          </a:fontRef>
+        </p:style>
+      </p:pic>
+      <p:sp>
+        <p:nvSpPr>
+          <p:cNvPr id="17" name="타원 16"/>
+          <p:cNvSpPr/>
+          <p:nvPr/>
+        </p:nvSpPr>
+        <p:spPr>
+          <a:xfrm>
+            <a:off x="1841107" y="4523802"/>
+            <a:ext cx="463463" cy="409054"/>
+          </a:xfrm>
+          <a:prstGeom prst="ellipse">
+            <a:avLst/>
+          </a:prstGeom>
+          <a:noFill/>
+          <a:ln w="76200">
+            <a:solidFill>
+              <a:schemeClr val="accent6"/>
+            </a:solidFill>
+          </a:ln>
+        </p:spPr>
+        <p:style>
+          <a:lnRef idx="2">
+            <a:schemeClr val="accent1">
+              <a:shade val="50000"/>
+            </a:schemeClr>
+          </a:lnRef>
+          <a:fillRef idx="1">
+            <a:schemeClr val="accent1"/>
+          </a:fillRef>
+          <a:effectRef idx="0">
+            <a:schemeClr val="accent1"/>
+          </a:effectRef>
+          <a:fontRef idx="minor">
+            <a:schemeClr val="lt1"/>
+          </a:fontRef>
+        </p:style>
+        <p:txBody>
+          <a:bodyPr rtlCol="0" anchor="ctr"/>
+          <a:lstStyle/>
+          <a:p>
+            <a:pPr algn="ctr"/>
+            <a:endParaRPr lang="ko-KR" altLang="en-US" dirty="0"/>
+          </a:p>
+        </p:txBody>
+      </p:sp>
+      <p:sp>
+        <p:nvSpPr>
+          <p:cNvPr id="19" name="타원 18"/>
+          <p:cNvSpPr/>
+          <p:nvPr/>
+        </p:nvSpPr>
+        <p:spPr>
+          <a:xfrm>
+            <a:off x="8469201" y="4193317"/>
+            <a:ext cx="463463" cy="409054"/>
+          </a:xfrm>
+          <a:prstGeom prst="ellipse">
+            <a:avLst/>
+          </a:prstGeom>
+          <a:noFill/>
+          <a:ln w="76200">
+            <a:solidFill>
+              <a:schemeClr val="accent6"/>
+            </a:solidFill>
+          </a:ln>
+        </p:spPr>
+        <p:style>
+          <a:lnRef idx="2">
+            <a:schemeClr val="accent1">
+              <a:shade val="50000"/>
+            </a:schemeClr>
+          </a:lnRef>
+          <a:fillRef idx="1">
+            <a:schemeClr val="accent1"/>
+          </a:fillRef>
+          <a:effectRef idx="0">
+            <a:schemeClr val="accent1"/>
+          </a:effectRef>
+          <a:fontRef idx="minor">
+            <a:schemeClr val="lt1"/>
+          </a:fontRef>
+        </p:style>
+        <p:txBody>
+          <a:bodyPr rtlCol="0" anchor="ctr"/>
+          <a:lstStyle/>
+          <a:p>
+            <a:pPr algn="ctr"/>
+            <a:endParaRPr lang="ko-KR" altLang="en-US" dirty="0"/>
+          </a:p>
+        </p:txBody>
+      </p:sp>
+      <p:sp>
+        <p:nvSpPr>
+          <p:cNvPr id="20" name="타원 19"/>
+          <p:cNvSpPr/>
+          <p:nvPr/>
+        </p:nvSpPr>
+        <p:spPr>
+          <a:xfrm>
+            <a:off x="9273272" y="4193317"/>
+            <a:ext cx="463463" cy="409054"/>
+          </a:xfrm>
+          <a:prstGeom prst="ellipse">
+            <a:avLst/>
+          </a:prstGeom>
+          <a:noFill/>
+          <a:ln w="76200">
+            <a:solidFill>
+              <a:schemeClr val="accent2"/>
+            </a:solidFill>
+          </a:ln>
+        </p:spPr>
+        <p:style>
+          <a:lnRef idx="2">
+            <a:schemeClr val="accent1">
+              <a:shade val="50000"/>
+            </a:schemeClr>
+          </a:lnRef>
+          <a:fillRef idx="1">
+            <a:schemeClr val="accent1"/>
+          </a:fillRef>
+          <a:effectRef idx="0">
+            <a:schemeClr val="accent1"/>
+          </a:effectRef>
+          <a:fontRef idx="minor">
+            <a:schemeClr val="lt1"/>
+          </a:fontRef>
+        </p:style>
+        <p:txBody>
+          <a:bodyPr rtlCol="0" anchor="ctr"/>
+          <a:lstStyle/>
+          <a:p>
+            <a:pPr algn="ctr"/>
+            <a:endParaRPr lang="ko-KR" altLang="en-US" dirty="0"/>
+          </a:p>
+        </p:txBody>
+      </p:sp>
+      <p:sp>
+        <p:nvSpPr>
+          <p:cNvPr id="22" name="타원 21"/>
+          <p:cNvSpPr/>
+          <p:nvPr/>
+        </p:nvSpPr>
+        <p:spPr>
+          <a:xfrm>
+            <a:off x="1803310" y="4885060"/>
+            <a:ext cx="463463" cy="409054"/>
+          </a:xfrm>
+          <a:prstGeom prst="ellipse">
+            <a:avLst/>
+          </a:prstGeom>
+          <a:noFill/>
+          <a:ln w="76200">
+            <a:solidFill>
+              <a:schemeClr val="accent2"/>
+            </a:solidFill>
+          </a:ln>
+        </p:spPr>
+        <p:style>
+          <a:lnRef idx="2">
+            <a:schemeClr val="accent1">
+              <a:shade val="50000"/>
+            </a:schemeClr>
+          </a:lnRef>
+          <a:fillRef idx="1">
+            <a:schemeClr val="accent1"/>
+          </a:fillRef>
+          <a:effectRef idx="0">
+            <a:schemeClr val="accent1"/>
+          </a:effectRef>
+          <a:fontRef idx="minor">
+            <a:schemeClr val="lt1"/>
+          </a:fontRef>
+        </p:style>
+        <p:txBody>
+          <a:bodyPr rtlCol="0" anchor="ctr"/>
+          <a:lstStyle/>
+          <a:p>
+            <a:pPr algn="ctr"/>
+            <a:endParaRPr lang="ko-KR" altLang="en-US" dirty="0"/>
+          </a:p>
+        </p:txBody>
+      </p:sp>
+      <p:cxnSp>
+        <p:nvCxnSpPr>
+          <p:cNvPr id="24" name="직선 화살표 연결선 23"/>
+          <p:cNvCxnSpPr/>
+          <p:nvPr/>
+        </p:nvCxnSpPr>
+        <p:spPr>
+          <a:xfrm flipV="1">
+            <a:off x="2591628" y="4421569"/>
+            <a:ext cx="5677593" cy="242746"/>
+          </a:xfrm>
+          <a:prstGeom prst="straightConnector1">
+            <a:avLst/>
+          </a:prstGeom>
+          <a:ln w="76200">
+            <a:solidFill>
+              <a:schemeClr val="accent6"/>
+            </a:solidFill>
+            <a:tailEnd type="triangle"/>
+          </a:ln>
+        </p:spPr>
+        <p:style>
+          <a:lnRef idx="1">
+            <a:schemeClr val="accent1"/>
+          </a:lnRef>
+          <a:fillRef idx="0">
+            <a:schemeClr val="accent1"/>
+          </a:fillRef>
+          <a:effectRef idx="0">
+            <a:schemeClr val="accent1"/>
+          </a:effectRef>
+          <a:fontRef idx="minor">
+            <a:schemeClr val="tx1"/>
+          </a:fontRef>
+        </p:style>
+      </p:cxnSp>
+      <p:cxnSp>
+        <p:nvCxnSpPr>
+          <p:cNvPr id="26" name="직선 화살표 연결선 25"/>
+          <p:cNvCxnSpPr/>
+          <p:nvPr/>
+        </p:nvCxnSpPr>
+        <p:spPr>
+          <a:xfrm flipV="1">
+            <a:off x="2591628" y="4664315"/>
+            <a:ext cx="6704203" cy="535817"/>
+          </a:xfrm>
+          <a:prstGeom prst="straightConnector1">
+            <a:avLst/>
+          </a:prstGeom>
+          <a:ln w="76200">
+            <a:solidFill>
+              <a:schemeClr val="accent2"/>
+            </a:solidFill>
+            <a:tailEnd type="triangle"/>
+          </a:ln>
+        </p:spPr>
+        <p:style>
+          <a:lnRef idx="1">
+            <a:schemeClr val="accent1"/>
+          </a:lnRef>
+          <a:fillRef idx="0">
+            <a:schemeClr val="accent1"/>
+          </a:fillRef>
+          <a:effectRef idx="0">
+            <a:schemeClr val="accent1"/>
+          </a:effectRef>
+          <a:fontRef idx="minor">
+            <a:schemeClr val="tx1"/>
+          </a:fontRef>
+        </p:style>
+      </p:cxnSp>
+      <p:sp>
+        <p:nvSpPr>
+          <p:cNvPr id="28" name="TextBox 27"/>
+          <p:cNvSpPr txBox="1"/>
+          <p:nvPr/>
+        </p:nvSpPr>
+        <p:spPr>
+          <a:xfrm>
+            <a:off x="1174587" y="2642133"/>
+            <a:ext cx="4240263" cy="369332"/>
+          </a:xfrm>
+          <a:prstGeom prst="rect">
+            <a:avLst/>
+          </a:prstGeom>
+          <a:noFill/>
+        </p:spPr>
+        <p:txBody>
+          <a:bodyPr wrap="none" rtlCol="0">
+            <a:spAutoFit/>
+          </a:bodyPr>
+          <a:lstStyle/>
+          <a:p>
+            <a:r>
+              <a:rPr lang="en-US" altLang="ko-KR" dirty="0" err="1">
+                <a:latin typeface="Adobe Devanagari" panose="02040503050201020203" pitchFamily="18" charset="0"/>
+                <a:ea typeface="맑은 고딕" panose="020B0503020000020004" pitchFamily="50" charset="-127"/>
+              </a:rPr>
+              <a:t>SubwayMap</a:t>
+            </a:r>
+            <a:r>
+              <a:rPr lang="en-US" altLang="ko-KR" dirty="0">
+                <a:latin typeface="Adobe Devanagari" panose="02040503050201020203" pitchFamily="18" charset="0"/>
+                <a:ea typeface="맑은 고딕" panose="020B0503020000020004" pitchFamily="50" charset="-127"/>
+              </a:rPr>
+              <a:t> plugin  :  jQuery And Canvas </a:t>
+            </a:r>
+            <a:r>
+              <a:rPr lang="ko-KR" altLang="en-US" sz="1600" dirty="0">
+                <a:ea typeface="맑은 고딕" panose="020B0503020000020004" pitchFamily="50" charset="-127"/>
+              </a:rPr>
+              <a:t>기반</a:t>
+            </a:r>
+          </a:p>
+        </p:txBody>
+      </p:sp>
+    </p:spTree>
+    <p:extLst>
+      <p:ext uri="{BB962C8B-B14F-4D97-AF65-F5344CB8AC3E}">
+        <p14:creationId xmlns:p14="http://schemas.microsoft.com/office/powerpoint/2010/main" val="508702560"/>
+      </p:ext>
+    </p:extLst>
+  </p:cSld>
+  <p:clrMapOvr>
+    <a:masterClrMapping/>
+  </p:clrMapOvr>
+  <p:timing>
+    <p:tnLst>
+      <p:par>
+        <p:cTn id="1" dur="indefinite" restart="never" nodeType="tmRoot"/>
+      </p:par>
+    </p:tnLst>
+  </p:timing>
+</p:sld>
+</file>
+
+<file path=ppt/slides/slide11.xml><?xml version="1.0" encoding="utf-8"?>
+<p:sld xmlns:a="http://schemas.openxmlformats.org/drawingml/2006/main" xmlns:r="http://schemas.openxmlformats.org/officeDocument/2006/relationships" xmlns:p="http://schemas.openxmlformats.org/presentationml/2006/main">
+  <p:cSld>
+    <p:spTree>
+      <p:nvGrpSpPr>
+        <p:cNvPr id="1" name=""/>
+        <p:cNvGrpSpPr/>
+        <p:nvPr/>
+      </p:nvGrpSpPr>
+      <p:grpSpPr>
+        <a:xfrm>
+          <a:off x="0" y="0"/>
+          <a:ext cx="0" cy="0"/>
+          <a:chOff x="0" y="0"/>
+          <a:chExt cx="0" cy="0"/>
+        </a:xfrm>
+      </p:grpSpPr>
+      <p:sp>
+        <p:nvSpPr>
+          <p:cNvPr id="2" name="직사각형 1"/>
+          <p:cNvSpPr/>
+          <p:nvPr/>
+        </p:nvSpPr>
+        <p:spPr>
+          <a:xfrm>
+            <a:off x="-36512" y="655843"/>
+            <a:ext cx="12228512" cy="361374"/>
+          </a:xfrm>
+          <a:prstGeom prst="rect">
+            <a:avLst/>
+          </a:prstGeom>
+          <a:solidFill>
+            <a:srgbClr val="64C044"/>
+          </a:solidFill>
+          <a:ln>
+            <a:noFill/>
+          </a:ln>
+        </p:spPr>
+        <p:style>
+          <a:lnRef idx="2">
+            <a:schemeClr val="accent1">
+              <a:shade val="50000"/>
+            </a:schemeClr>
+          </a:lnRef>
+          <a:fillRef idx="1">
+            <a:schemeClr val="accent1"/>
+          </a:fillRef>
+          <a:effectRef idx="0">
+            <a:schemeClr val="accent1"/>
+          </a:effectRef>
+          <a:fontRef idx="minor">
+            <a:schemeClr val="lt1"/>
+          </a:fontRef>
+        </p:style>
+        <p:txBody>
+          <a:bodyPr rtlCol="0" anchor="ctr"/>
+          <a:lstStyle/>
+          <a:p>
+            <a:pPr algn="ctr"/>
+            <a:endParaRPr lang="ko-KR" altLang="en-US"/>
+          </a:p>
+        </p:txBody>
+      </p:sp>
+      <p:sp>
+        <p:nvSpPr>
+          <p:cNvPr id="3" name="모서리가 둥근 직사각형 2"/>
+          <p:cNvSpPr/>
+          <p:nvPr/>
+        </p:nvSpPr>
+        <p:spPr>
+          <a:xfrm>
+            <a:off x="472966" y="315310"/>
+            <a:ext cx="6379780" cy="956441"/>
+          </a:xfrm>
+          <a:prstGeom prst="roundRect">
+            <a:avLst>
+              <a:gd name="adj" fmla="val 50000"/>
+            </a:avLst>
+          </a:prstGeom>
+          <a:solidFill>
+            <a:srgbClr val="64C044"/>
+          </a:solidFill>
+          <a:ln>
+            <a:noFill/>
+          </a:ln>
+        </p:spPr>
+        <p:style>
+          <a:lnRef idx="2">
+            <a:schemeClr val="accent1">
+              <a:shade val="50000"/>
+            </a:schemeClr>
+          </a:lnRef>
+          <a:fillRef idx="1">
+            <a:schemeClr val="accent1"/>
+          </a:fillRef>
+          <a:effectRef idx="0">
+            <a:schemeClr val="accent1"/>
+          </a:effectRef>
+          <a:fontRef idx="minor">
+            <a:schemeClr val="lt1"/>
+          </a:fontRef>
+        </p:style>
+        <p:txBody>
+          <a:bodyPr rtlCol="0" anchor="ctr"/>
+          <a:lstStyle/>
+          <a:p>
+            <a:pPr algn="ctr"/>
+            <a:endParaRPr lang="ko-KR" altLang="en-US" sz="1000"/>
+          </a:p>
+        </p:txBody>
+      </p:sp>
+      <p:sp>
+        <p:nvSpPr>
+          <p:cNvPr id="4" name="모서리가 둥근 직사각형 3"/>
+          <p:cNvSpPr/>
+          <p:nvPr/>
+        </p:nvSpPr>
+        <p:spPr>
+          <a:xfrm>
+            <a:off x="578070" y="409903"/>
+            <a:ext cx="6169571" cy="759377"/>
+          </a:xfrm>
+          <a:prstGeom prst="roundRect">
+            <a:avLst>
+              <a:gd name="adj" fmla="val 50000"/>
+            </a:avLst>
+          </a:prstGeom>
+          <a:solidFill>
+            <a:schemeClr val="bg1"/>
+          </a:solidFill>
+          <a:ln>
+            <a:noFill/>
+          </a:ln>
+        </p:spPr>
+        <p:style>
+          <a:lnRef idx="2">
+            <a:schemeClr val="accent1">
+              <a:shade val="50000"/>
+            </a:schemeClr>
+          </a:lnRef>
+          <a:fillRef idx="1">
+            <a:schemeClr val="accent1"/>
+          </a:fillRef>
+          <a:effectRef idx="0">
+            <a:schemeClr val="accent1"/>
+          </a:effectRef>
+          <a:fontRef idx="minor">
+            <a:schemeClr val="lt1"/>
+          </a:fontRef>
+        </p:style>
+        <p:txBody>
+          <a:bodyPr rtlCol="0" anchor="ctr"/>
+          <a:lstStyle/>
+          <a:p>
+            <a:pPr algn="ctr"/>
+            <a:endParaRPr lang="ko-KR" altLang="en-US" sz="1000"/>
+          </a:p>
+        </p:txBody>
+      </p:sp>
+      <p:sp>
+        <p:nvSpPr>
+          <p:cNvPr id="5" name="타원 4"/>
+          <p:cNvSpPr/>
+          <p:nvPr/>
+        </p:nvSpPr>
+        <p:spPr>
+          <a:xfrm>
+            <a:off x="761445" y="483070"/>
+            <a:ext cx="625920" cy="613041"/>
+          </a:xfrm>
+          <a:prstGeom prst="ellipse">
+            <a:avLst/>
+          </a:prstGeom>
+          <a:solidFill>
+            <a:srgbClr val="64C044"/>
+          </a:solidFill>
+          <a:ln>
+            <a:noFill/>
+          </a:ln>
+        </p:spPr>
+        <p:style>
+          <a:lnRef idx="2">
+            <a:schemeClr val="accent1">
+              <a:shade val="50000"/>
+            </a:schemeClr>
+          </a:lnRef>
+          <a:fillRef idx="1">
+            <a:schemeClr val="accent1"/>
+          </a:fillRef>
+          <a:effectRef idx="0">
+            <a:schemeClr val="accent1"/>
+          </a:effectRef>
+          <a:fontRef idx="minor">
+            <a:schemeClr val="lt1"/>
+          </a:fontRef>
+        </p:style>
+        <p:txBody>
+          <a:bodyPr rtlCol="0" anchor="ctr"/>
+          <a:lstStyle/>
+          <a:p>
+            <a:pPr algn="ctr"/>
+            <a:endParaRPr lang="ko-KR" altLang="en-US" sz="1000"/>
+          </a:p>
+        </p:txBody>
+      </p:sp>
+      <p:sp>
+        <p:nvSpPr>
+          <p:cNvPr id="6" name="TextBox 5"/>
+          <p:cNvSpPr txBox="1"/>
+          <p:nvPr/>
+        </p:nvSpPr>
+        <p:spPr>
+          <a:xfrm>
+            <a:off x="1474773" y="505047"/>
+            <a:ext cx="4332357" cy="523220"/>
+          </a:xfrm>
+          <a:prstGeom prst="rect">
+            <a:avLst/>
+          </a:prstGeom>
+          <a:noFill/>
+        </p:spPr>
+        <p:txBody>
+          <a:bodyPr wrap="square" rtlCol="0">
+            <a:spAutoFit/>
+          </a:bodyPr>
+          <a:lstStyle/>
+          <a:p>
+            <a:r>
+              <a:rPr lang="ko-KR" altLang="en-US" sz="2800" dirty="0" smtClean="0">
+                <a:latin typeface="맑은 고딕" panose="020B0503020000020004" pitchFamily="50" charset="-127"/>
+                <a:ea typeface="맑은 고딕" panose="020B0503020000020004" pitchFamily="50" charset="-127"/>
+              </a:rPr>
+              <a:t>기능 상세</a:t>
+            </a:r>
+            <a:endParaRPr lang="en-US" altLang="ko-KR" sz="2800" dirty="0" smtClean="0">
+              <a:latin typeface="맑은 고딕" panose="020B0503020000020004" pitchFamily="50" charset="-127"/>
+              <a:ea typeface="맑은 고딕" panose="020B0503020000020004" pitchFamily="50" charset="-127"/>
+            </a:endParaRPr>
+          </a:p>
+        </p:txBody>
+      </p:sp>
+      <p:sp>
+        <p:nvSpPr>
+          <p:cNvPr id="9" name="TextBox 8"/>
+          <p:cNvSpPr txBox="1"/>
+          <p:nvPr/>
+        </p:nvSpPr>
+        <p:spPr>
+          <a:xfrm>
+            <a:off x="827833" y="466424"/>
+            <a:ext cx="493144" cy="646331"/>
+          </a:xfrm>
+          <a:prstGeom prst="rect">
+            <a:avLst/>
+          </a:prstGeom>
+          <a:noFill/>
+        </p:spPr>
+        <p:txBody>
+          <a:bodyPr wrap="square" rtlCol="0">
+            <a:spAutoFit/>
+          </a:bodyPr>
+          <a:lstStyle/>
+          <a:p>
+            <a:r>
+              <a:rPr lang="en-US" altLang="ko-KR" sz="3600" b="1" dirty="0" smtClean="0">
+                <a:solidFill>
+                  <a:schemeClr val="bg1"/>
+                </a:solidFill>
+                <a:latin typeface="맑은 고딕" panose="020B0503020000020004" pitchFamily="50" charset="-127"/>
+                <a:ea typeface="맑은 고딕" panose="020B0503020000020004" pitchFamily="50" charset="-127"/>
+              </a:rPr>
+              <a:t>3</a:t>
+            </a:r>
+            <a:endParaRPr lang="ko-KR" altLang="en-US" sz="3600" b="1" dirty="0">
+              <a:solidFill>
+                <a:schemeClr val="bg1"/>
+              </a:solidFill>
+              <a:latin typeface="맑은 고딕" panose="020B0503020000020004" pitchFamily="50" charset="-127"/>
+              <a:ea typeface="맑은 고딕" panose="020B0503020000020004" pitchFamily="50" charset="-127"/>
+            </a:endParaRPr>
+          </a:p>
+        </p:txBody>
+      </p:sp>
+      <p:sp>
+        <p:nvSpPr>
+          <p:cNvPr id="8" name="타원 7"/>
+          <p:cNvSpPr/>
+          <p:nvPr/>
+        </p:nvSpPr>
+        <p:spPr>
+          <a:xfrm>
+            <a:off x="1074405" y="1877321"/>
+            <a:ext cx="557048" cy="557048"/>
+          </a:xfrm>
+          <a:prstGeom prst="ellipse">
+            <a:avLst/>
+          </a:prstGeom>
+          <a:solidFill>
+            <a:srgbClr val="64C044"/>
+          </a:solidFill>
+          <a:ln>
+            <a:noFill/>
+          </a:ln>
+        </p:spPr>
+        <p:style>
+          <a:lnRef idx="2">
+            <a:schemeClr val="accent1">
+              <a:shade val="50000"/>
+            </a:schemeClr>
+          </a:lnRef>
+          <a:fillRef idx="1">
+            <a:schemeClr val="accent1"/>
+          </a:fillRef>
+          <a:effectRef idx="0">
+            <a:schemeClr val="accent1"/>
+          </a:effectRef>
+          <a:fontRef idx="minor">
+            <a:schemeClr val="lt1"/>
+          </a:fontRef>
+        </p:style>
+        <p:txBody>
+          <a:bodyPr rtlCol="0" anchor="ctr"/>
+          <a:lstStyle/>
+          <a:p>
+            <a:pPr algn="ctr"/>
+            <a:r>
+              <a:rPr lang="en-US" altLang="ko-KR" sz="2400" b="1" dirty="0" smtClean="0">
+                <a:latin typeface="맑은 고딕" panose="020B0503020000020004" pitchFamily="50" charset="-127"/>
+                <a:ea typeface="맑은 고딕" panose="020B0503020000020004" pitchFamily="50" charset="-127"/>
+              </a:rPr>
+              <a:t>2</a:t>
+            </a:r>
+            <a:endParaRPr lang="ko-KR" altLang="en-US" sz="2400" b="1" dirty="0">
+              <a:latin typeface="맑은 고딕" panose="020B0503020000020004" pitchFamily="50" charset="-127"/>
+              <a:ea typeface="맑은 고딕" panose="020B0503020000020004" pitchFamily="50" charset="-127"/>
+            </a:endParaRPr>
+          </a:p>
+        </p:txBody>
+      </p:sp>
+      <p:sp>
+        <p:nvSpPr>
+          <p:cNvPr id="10" name="TextBox 9"/>
+          <p:cNvSpPr txBox="1"/>
+          <p:nvPr/>
+        </p:nvSpPr>
+        <p:spPr>
+          <a:xfrm>
+            <a:off x="1855721" y="1959586"/>
+            <a:ext cx="1420582" cy="369332"/>
+          </a:xfrm>
+          <a:prstGeom prst="rect">
+            <a:avLst/>
+          </a:prstGeom>
+          <a:noFill/>
+        </p:spPr>
+        <p:txBody>
+          <a:bodyPr wrap="none" rtlCol="0">
+            <a:spAutoFit/>
+          </a:bodyPr>
+          <a:lstStyle/>
+          <a:p>
+            <a:r>
+              <a:rPr lang="ko-KR" altLang="en-US" dirty="0" smtClean="0">
+                <a:ea typeface="맑은 고딕" panose="020B0503020000020004" pitchFamily="50" charset="-127"/>
+              </a:rPr>
+              <a:t>노선도 구현</a:t>
+            </a:r>
+            <a:endParaRPr lang="ko-KR" altLang="en-US" dirty="0">
+              <a:ea typeface="맑은 고딕" panose="020B0503020000020004" pitchFamily="50" charset="-127"/>
+            </a:endParaRPr>
+          </a:p>
+        </p:txBody>
+      </p:sp>
+      <p:pic>
+        <p:nvPicPr>
+          <p:cNvPr id="15" name="그림 14"/>
+          <p:cNvPicPr>
+            <a:picLocks noChangeAspect="1"/>
+          </p:cNvPicPr>
+          <p:nvPr/>
+        </p:nvPicPr>
+        <p:blipFill>
+          <a:blip r:embed="rId2"/>
+          <a:stretch>
+            <a:fillRect/>
+          </a:stretch>
+        </p:blipFill>
+        <p:spPr>
+          <a:xfrm>
+            <a:off x="7473197" y="3207121"/>
+            <a:ext cx="7210425" cy="1524000"/>
+          </a:xfrm>
+          <a:prstGeom prst="rect">
+            <a:avLst/>
+          </a:prstGeom>
+          <a:ln w="76200">
+            <a:solidFill>
+              <a:schemeClr val="bg2">
+                <a:lumMod val="90000"/>
+              </a:schemeClr>
+            </a:solidFill>
+          </a:ln>
+        </p:spPr>
+      </p:pic>
+      <p:sp>
+        <p:nvSpPr>
+          <p:cNvPr id="18" name="TextBox 17"/>
+          <p:cNvSpPr txBox="1"/>
+          <p:nvPr/>
+        </p:nvSpPr>
+        <p:spPr>
+          <a:xfrm>
+            <a:off x="1277032" y="5972966"/>
+            <a:ext cx="10144003" cy="646331"/>
+          </a:xfrm>
+          <a:prstGeom prst="rect">
+            <a:avLst/>
+          </a:prstGeom>
+          <a:noFill/>
+        </p:spPr>
+        <p:txBody>
+          <a:bodyPr wrap="square" rtlCol="0">
+            <a:spAutoFit/>
+          </a:bodyPr>
+          <a:lstStyle/>
+          <a:p>
+            <a:pPr marL="285750" indent="-285750">
+              <a:buFont typeface="Arial" panose="020B0604020202020204" pitchFamily="34" charset="0"/>
+              <a:buChar char="•"/>
+            </a:pPr>
+            <a:r>
+              <a:rPr lang="en-US" altLang="ko-KR" dirty="0" smtClean="0">
+                <a:latin typeface="Adobe Devanagari" panose="02040503050201020203" pitchFamily="18" charset="0"/>
+                <a:ea typeface="맑은 고딕" panose="020B0503020000020004" pitchFamily="50" charset="-127"/>
+              </a:rPr>
+              <a:t>Canvas</a:t>
+            </a:r>
+            <a:r>
+              <a:rPr lang="ko-KR" altLang="en-US" dirty="0" smtClean="0">
+                <a:ea typeface="맑은 고딕" panose="020B0503020000020004" pitchFamily="50" charset="-127"/>
+              </a:rPr>
+              <a:t>로 그려진 역 </a:t>
+            </a:r>
+            <a:r>
+              <a:rPr lang="ko-KR" altLang="en-US" dirty="0" err="1" smtClean="0">
+                <a:ea typeface="맑은 고딕" panose="020B0503020000020004" pitchFamily="50" charset="-127"/>
+              </a:rPr>
+              <a:t>마커와의</a:t>
+            </a:r>
+            <a:r>
+              <a:rPr lang="ko-KR" altLang="en-US" dirty="0" smtClean="0">
+                <a:ea typeface="맑은 고딕" panose="020B0503020000020004" pitchFamily="50" charset="-127"/>
+              </a:rPr>
+              <a:t> 상호작용 어려움 </a:t>
+            </a:r>
+            <a:r>
+              <a:rPr lang="en-US" altLang="ko-KR" dirty="0" smtClean="0">
+                <a:ea typeface="맑은 고딕" panose="020B0503020000020004" pitchFamily="50" charset="-127"/>
+              </a:rPr>
+              <a:t>=&gt; </a:t>
+            </a:r>
+            <a:r>
+              <a:rPr lang="ko-KR" altLang="en-US" dirty="0" err="1" smtClean="0">
+                <a:ea typeface="맑은 고딕" panose="020B0503020000020004" pitchFamily="50" charset="-127"/>
+              </a:rPr>
+              <a:t>마커</a:t>
+            </a:r>
+            <a:r>
+              <a:rPr lang="ko-KR" altLang="en-US" dirty="0" smtClean="0">
+                <a:ea typeface="맑은 고딕" panose="020B0503020000020004" pitchFamily="50" charset="-127"/>
+              </a:rPr>
+              <a:t> 위치에 </a:t>
+            </a:r>
+            <a:r>
+              <a:rPr lang="en-US" altLang="ko-KR" dirty="0" smtClean="0">
+                <a:latin typeface="Adobe Devanagari" panose="02040503050201020203" pitchFamily="18" charset="0"/>
+                <a:ea typeface="맑은 고딕" panose="020B0503020000020004" pitchFamily="50" charset="-127"/>
+              </a:rPr>
+              <a:t>a</a:t>
+            </a:r>
+            <a:r>
+              <a:rPr lang="en-US" altLang="ko-KR" dirty="0" smtClean="0">
+                <a:ea typeface="맑은 고딕" panose="020B0503020000020004" pitchFamily="50" charset="-127"/>
+              </a:rPr>
+              <a:t> </a:t>
+            </a:r>
+            <a:r>
+              <a:rPr lang="ko-KR" altLang="en-US" dirty="0" smtClean="0">
+                <a:ea typeface="맑은 고딕" panose="020B0503020000020004" pitchFamily="50" charset="-127"/>
+              </a:rPr>
+              <a:t>태그가 오도록 수정</a:t>
+            </a:r>
+            <a:endParaRPr lang="en-US" altLang="ko-KR" dirty="0" smtClean="0">
+              <a:ea typeface="맑은 고딕" panose="020B0503020000020004" pitchFamily="50" charset="-127"/>
+            </a:endParaRPr>
+          </a:p>
+          <a:p>
+            <a:pPr marL="285750" indent="-285750">
+              <a:buFont typeface="Arial" panose="020B0604020202020204" pitchFamily="34" charset="0"/>
+              <a:buChar char="•"/>
+            </a:pPr>
+            <a:r>
+              <a:rPr lang="ko-KR" altLang="en-US" dirty="0" smtClean="0">
+                <a:ea typeface="맑은 고딕" panose="020B0503020000020004" pitchFamily="50" charset="-127"/>
+              </a:rPr>
+              <a:t>동그란 모양의 </a:t>
+            </a:r>
+            <a:r>
+              <a:rPr lang="en-US" altLang="ko-KR" dirty="0" smtClean="0">
+                <a:latin typeface="Adobe Devanagari" panose="02040503050201020203" pitchFamily="18" charset="0"/>
+                <a:ea typeface="맑은 고딕" panose="020B0503020000020004" pitchFamily="50" charset="-127"/>
+              </a:rPr>
+              <a:t>Station</a:t>
+            </a:r>
+            <a:r>
+              <a:rPr lang="ko-KR" altLang="en-US" dirty="0" smtClean="0">
+                <a:ea typeface="맑은 고딕" panose="020B0503020000020004" pitchFamily="50" charset="-127"/>
+              </a:rPr>
+              <a:t>외에 </a:t>
+            </a:r>
+            <a:r>
+              <a:rPr lang="en-US" altLang="ko-KR" dirty="0" smtClean="0">
+                <a:latin typeface="Adobe Devanagari" panose="02040503050201020203" pitchFamily="18" charset="0"/>
+                <a:ea typeface="맑은 고딕" panose="020B0503020000020004" pitchFamily="50" charset="-127"/>
+              </a:rPr>
+              <a:t>train</a:t>
+            </a:r>
+            <a:r>
+              <a:rPr lang="en-US" altLang="ko-KR" dirty="0" smtClean="0">
+                <a:ea typeface="맑은 고딕" panose="020B0503020000020004" pitchFamily="50" charset="-127"/>
+              </a:rPr>
+              <a:t> </a:t>
+            </a:r>
+            <a:r>
+              <a:rPr lang="ko-KR" altLang="en-US" dirty="0" err="1" smtClean="0">
+                <a:ea typeface="맑은 고딕" panose="020B0503020000020004" pitchFamily="50" charset="-127"/>
+              </a:rPr>
+              <a:t>마커</a:t>
+            </a:r>
+            <a:r>
+              <a:rPr lang="ko-KR" altLang="en-US" dirty="0" smtClean="0">
+                <a:ea typeface="맑은 고딕" panose="020B0503020000020004" pitchFamily="50" charset="-127"/>
+              </a:rPr>
+              <a:t> 추가</a:t>
+            </a:r>
+            <a:endParaRPr lang="en-US" altLang="ko-KR" dirty="0" smtClean="0">
+              <a:ea typeface="맑은 고딕" panose="020B0503020000020004" pitchFamily="50" charset="-127"/>
+            </a:endParaRPr>
+          </a:p>
+        </p:txBody>
+      </p:sp>
+      <p:pic>
+        <p:nvPicPr>
+          <p:cNvPr id="7" name="그림 6"/>
+          <p:cNvPicPr>
+            <a:picLocks noChangeAspect="1"/>
+          </p:cNvPicPr>
+          <p:nvPr/>
+        </p:nvPicPr>
+        <p:blipFill rotWithShape="1">
+          <a:blip r:embed="rId3"/>
+          <a:srcRect r="21765"/>
+          <a:stretch/>
+        </p:blipFill>
+        <p:spPr>
+          <a:xfrm>
+            <a:off x="212656" y="2822122"/>
+            <a:ext cx="2254898" cy="2191153"/>
+          </a:xfrm>
+          <a:prstGeom prst="rect">
+            <a:avLst/>
+          </a:prstGeom>
+          <a:ln w="76200">
+            <a:solidFill>
+              <a:schemeClr val="bg2">
+                <a:lumMod val="90000"/>
+              </a:schemeClr>
+            </a:solidFill>
+          </a:ln>
+        </p:spPr>
+      </p:pic>
+      <p:pic>
+        <p:nvPicPr>
+          <p:cNvPr id="12" name="그림 11"/>
+          <p:cNvPicPr>
+            <a:picLocks noChangeAspect="1"/>
+          </p:cNvPicPr>
+          <p:nvPr/>
+        </p:nvPicPr>
+        <p:blipFill>
+          <a:blip r:embed="rId4"/>
+          <a:stretch>
+            <a:fillRect/>
+          </a:stretch>
+        </p:blipFill>
+        <p:spPr>
+          <a:xfrm>
+            <a:off x="4980282" y="2714527"/>
+            <a:ext cx="1981200" cy="2905125"/>
+          </a:xfrm>
+          <a:prstGeom prst="rect">
+            <a:avLst/>
+          </a:prstGeom>
+          <a:ln w="76200">
+            <a:solidFill>
+              <a:schemeClr val="bg2">
+                <a:lumMod val="90000"/>
+              </a:schemeClr>
+            </a:solidFill>
+          </a:ln>
+        </p:spPr>
+      </p:pic>
+      <p:sp>
+        <p:nvSpPr>
+          <p:cNvPr id="24" name="타원 23"/>
+          <p:cNvSpPr/>
+          <p:nvPr/>
+        </p:nvSpPr>
+        <p:spPr>
+          <a:xfrm>
+            <a:off x="5098782" y="5011143"/>
+            <a:ext cx="661664" cy="523444"/>
+          </a:xfrm>
+          <a:prstGeom prst="ellipse">
+            <a:avLst/>
+          </a:prstGeom>
+          <a:noFill/>
+          <a:ln w="76200">
+            <a:solidFill>
+              <a:schemeClr val="accent6"/>
+            </a:solidFill>
+          </a:ln>
+        </p:spPr>
+        <p:style>
+          <a:lnRef idx="2">
+            <a:schemeClr val="accent1">
+              <a:shade val="50000"/>
+            </a:schemeClr>
+          </a:lnRef>
+          <a:fillRef idx="1">
+            <a:schemeClr val="accent1"/>
+          </a:fillRef>
+          <a:effectRef idx="0">
+            <a:schemeClr val="accent1"/>
+          </a:effectRef>
+          <a:fontRef idx="minor">
+            <a:schemeClr val="lt1"/>
+          </a:fontRef>
+        </p:style>
+        <p:txBody>
+          <a:bodyPr rtlCol="0" anchor="ctr"/>
+          <a:lstStyle/>
+          <a:p>
+            <a:pPr algn="ctr"/>
+            <a:endParaRPr lang="ko-KR" altLang="en-US" dirty="0"/>
+          </a:p>
+        </p:txBody>
+      </p:sp>
+      <p:sp>
+        <p:nvSpPr>
+          <p:cNvPr id="25" name="타원 24"/>
+          <p:cNvSpPr/>
+          <p:nvPr/>
+        </p:nvSpPr>
+        <p:spPr>
+          <a:xfrm>
+            <a:off x="5145466" y="4106367"/>
+            <a:ext cx="661664" cy="523444"/>
+          </a:xfrm>
+          <a:prstGeom prst="ellipse">
+            <a:avLst/>
+          </a:prstGeom>
+          <a:noFill/>
+          <a:ln w="76200">
+            <a:solidFill>
+              <a:schemeClr val="accent6"/>
+            </a:solidFill>
+          </a:ln>
+        </p:spPr>
+        <p:style>
+          <a:lnRef idx="2">
+            <a:schemeClr val="accent1">
+              <a:shade val="50000"/>
+            </a:schemeClr>
+          </a:lnRef>
+          <a:fillRef idx="1">
+            <a:schemeClr val="accent1"/>
+          </a:fillRef>
+          <a:effectRef idx="0">
+            <a:schemeClr val="accent1"/>
+          </a:effectRef>
+          <a:fontRef idx="minor">
+            <a:schemeClr val="lt1"/>
+          </a:fontRef>
+        </p:style>
+        <p:txBody>
+          <a:bodyPr rtlCol="0" anchor="ctr"/>
+          <a:lstStyle/>
+          <a:p>
+            <a:pPr algn="ctr"/>
+            <a:endParaRPr lang="ko-KR" altLang="en-US" dirty="0"/>
+          </a:p>
+        </p:txBody>
+      </p:sp>
+      <p:pic>
+        <p:nvPicPr>
+          <p:cNvPr id="26" name="그림 25"/>
+          <p:cNvPicPr>
+            <a:picLocks noChangeAspect="1"/>
+          </p:cNvPicPr>
+          <p:nvPr/>
+        </p:nvPicPr>
+        <p:blipFill>
+          <a:blip r:embed="rId5"/>
+          <a:stretch>
+            <a:fillRect/>
+          </a:stretch>
+        </p:blipFill>
+        <p:spPr>
+          <a:xfrm>
+            <a:off x="2684500" y="2853107"/>
+            <a:ext cx="1908705" cy="2129182"/>
+          </a:xfrm>
+          <a:prstGeom prst="rect">
+            <a:avLst/>
+          </a:prstGeom>
+          <a:ln w="76200">
+            <a:solidFill>
+              <a:schemeClr val="bg2">
+                <a:lumMod val="90000"/>
+              </a:schemeClr>
+            </a:solidFill>
+          </a:ln>
+        </p:spPr>
+      </p:pic>
+      <p:cxnSp>
+        <p:nvCxnSpPr>
+          <p:cNvPr id="28" name="직선 화살표 연결선 27"/>
+          <p:cNvCxnSpPr/>
+          <p:nvPr/>
+        </p:nvCxnSpPr>
+        <p:spPr>
+          <a:xfrm flipV="1">
+            <a:off x="6077744" y="3917698"/>
+            <a:ext cx="2676789" cy="332569"/>
+          </a:xfrm>
+          <a:prstGeom prst="straightConnector1">
+            <a:avLst/>
+          </a:prstGeom>
+          <a:ln w="76200">
+            <a:solidFill>
+              <a:schemeClr val="accent6"/>
+            </a:solidFill>
+            <a:tailEnd type="triangle"/>
+          </a:ln>
+        </p:spPr>
+        <p:style>
+          <a:lnRef idx="1">
+            <a:schemeClr val="accent1"/>
+          </a:lnRef>
+          <a:fillRef idx="0">
+            <a:schemeClr val="accent1"/>
+          </a:fillRef>
+          <a:effectRef idx="0">
+            <a:schemeClr val="accent1"/>
+          </a:effectRef>
+          <a:fontRef idx="minor">
+            <a:schemeClr val="tx1"/>
+          </a:fontRef>
+        </p:style>
+      </p:cxnSp>
+      <p:cxnSp>
+        <p:nvCxnSpPr>
+          <p:cNvPr id="30" name="직선 화살표 연결선 29"/>
+          <p:cNvCxnSpPr/>
+          <p:nvPr/>
+        </p:nvCxnSpPr>
+        <p:spPr>
+          <a:xfrm flipV="1">
+            <a:off x="5878945" y="3984658"/>
+            <a:ext cx="2816322" cy="1342178"/>
+          </a:xfrm>
+          <a:prstGeom prst="straightConnector1">
+            <a:avLst/>
+          </a:prstGeom>
+          <a:ln w="76200">
+            <a:solidFill>
+              <a:schemeClr val="accent6"/>
+            </a:solidFill>
+            <a:tailEnd type="triangle"/>
+          </a:ln>
+        </p:spPr>
+        <p:style>
+          <a:lnRef idx="1">
+            <a:schemeClr val="accent1"/>
+          </a:lnRef>
+          <a:fillRef idx="0">
+            <a:schemeClr val="accent1"/>
+          </a:fillRef>
+          <a:effectRef idx="0">
+            <a:schemeClr val="accent1"/>
+          </a:effectRef>
+          <a:fontRef idx="minor">
+            <a:schemeClr val="tx1"/>
+          </a:fontRef>
+        </p:style>
+      </p:cxnSp>
+    </p:spTree>
+    <p:extLst>
+      <p:ext uri="{BB962C8B-B14F-4D97-AF65-F5344CB8AC3E}">
+        <p14:creationId xmlns:p14="http://schemas.microsoft.com/office/powerpoint/2010/main" val="1561878117"/>
+      </p:ext>
+    </p:extLst>
+  </p:cSld>
+  <p:clrMapOvr>
+    <a:masterClrMapping/>
+  </p:clrMapOvr>
+  <p:timing>
+    <p:tnLst>
+      <p:par>
+        <p:cTn id="1" dur="indefinite" restart="never" nodeType="tmRoot"/>
+      </p:par>
+    </p:tnLst>
+  </p:timing>
+</p:sld>
+</file>
+
+<file path=ppt/slides/slide12.xml><?xml version="1.0" encoding="utf-8"?>
+<p:sld xmlns:a="http://schemas.openxmlformats.org/drawingml/2006/main" xmlns:r="http://schemas.openxmlformats.org/officeDocument/2006/relationships" xmlns:p="http://schemas.openxmlformats.org/presentationml/2006/main">
+  <p:cSld>
+    <p:spTree>
+      <p:nvGrpSpPr>
+        <p:cNvPr id="1" name=""/>
+        <p:cNvGrpSpPr/>
+        <p:nvPr/>
+      </p:nvGrpSpPr>
+      <p:grpSpPr>
+        <a:xfrm>
+          <a:off x="0" y="0"/>
+          <a:ext cx="0" cy="0"/>
+          <a:chOff x="0" y="0"/>
+          <a:chExt cx="0" cy="0"/>
+        </a:xfrm>
+      </p:grpSpPr>
+      <p:sp>
+        <p:nvSpPr>
+          <p:cNvPr id="2" name="직사각형 1"/>
+          <p:cNvSpPr/>
+          <p:nvPr/>
+        </p:nvSpPr>
+        <p:spPr>
+          <a:xfrm>
+            <a:off x="-36512" y="655843"/>
+            <a:ext cx="12228512" cy="361374"/>
+          </a:xfrm>
+          <a:prstGeom prst="rect">
+            <a:avLst/>
+          </a:prstGeom>
+          <a:solidFill>
+            <a:srgbClr val="64C044"/>
+          </a:solidFill>
+          <a:ln>
+            <a:noFill/>
+          </a:ln>
+        </p:spPr>
+        <p:style>
+          <a:lnRef idx="2">
+            <a:schemeClr val="accent1">
+              <a:shade val="50000"/>
+            </a:schemeClr>
+          </a:lnRef>
+          <a:fillRef idx="1">
+            <a:schemeClr val="accent1"/>
+          </a:fillRef>
+          <a:effectRef idx="0">
+            <a:schemeClr val="accent1"/>
+          </a:effectRef>
+          <a:fontRef idx="minor">
+            <a:schemeClr val="lt1"/>
+          </a:fontRef>
+        </p:style>
+        <p:txBody>
+          <a:bodyPr rtlCol="0" anchor="ctr"/>
+          <a:lstStyle/>
+          <a:p>
+            <a:pPr algn="ctr"/>
+            <a:endParaRPr lang="ko-KR" altLang="en-US"/>
+          </a:p>
+        </p:txBody>
+      </p:sp>
+      <p:sp>
+        <p:nvSpPr>
+          <p:cNvPr id="3" name="모서리가 둥근 직사각형 2"/>
+          <p:cNvSpPr/>
+          <p:nvPr/>
+        </p:nvSpPr>
+        <p:spPr>
+          <a:xfrm>
+            <a:off x="472966" y="315310"/>
+            <a:ext cx="6379780" cy="956441"/>
+          </a:xfrm>
+          <a:prstGeom prst="roundRect">
+            <a:avLst>
+              <a:gd name="adj" fmla="val 50000"/>
+            </a:avLst>
+          </a:prstGeom>
+          <a:solidFill>
+            <a:srgbClr val="64C044"/>
+          </a:solidFill>
+          <a:ln>
+            <a:noFill/>
+          </a:ln>
+        </p:spPr>
+        <p:style>
+          <a:lnRef idx="2">
+            <a:schemeClr val="accent1">
+              <a:shade val="50000"/>
+            </a:schemeClr>
+          </a:lnRef>
+          <a:fillRef idx="1">
+            <a:schemeClr val="accent1"/>
+          </a:fillRef>
+          <a:effectRef idx="0">
+            <a:schemeClr val="accent1"/>
+          </a:effectRef>
+          <a:fontRef idx="minor">
+            <a:schemeClr val="lt1"/>
+          </a:fontRef>
+        </p:style>
+        <p:txBody>
+          <a:bodyPr rtlCol="0" anchor="ctr"/>
+          <a:lstStyle/>
+          <a:p>
+            <a:pPr algn="ctr"/>
+            <a:endParaRPr lang="ko-KR" altLang="en-US" sz="1000"/>
+          </a:p>
+        </p:txBody>
+      </p:sp>
+      <p:sp>
+        <p:nvSpPr>
+          <p:cNvPr id="4" name="모서리가 둥근 직사각형 3"/>
+          <p:cNvSpPr/>
+          <p:nvPr/>
+        </p:nvSpPr>
+        <p:spPr>
+          <a:xfrm>
+            <a:off x="578070" y="409903"/>
+            <a:ext cx="6169571" cy="759377"/>
+          </a:xfrm>
+          <a:prstGeom prst="roundRect">
+            <a:avLst>
+              <a:gd name="adj" fmla="val 50000"/>
+            </a:avLst>
+          </a:prstGeom>
+          <a:solidFill>
+            <a:schemeClr val="bg1"/>
+          </a:solidFill>
+          <a:ln>
+            <a:noFill/>
+          </a:ln>
+        </p:spPr>
+        <p:style>
+          <a:lnRef idx="2">
+            <a:schemeClr val="accent1">
+              <a:shade val="50000"/>
+            </a:schemeClr>
+          </a:lnRef>
+          <a:fillRef idx="1">
+            <a:schemeClr val="accent1"/>
+          </a:fillRef>
+          <a:effectRef idx="0">
+            <a:schemeClr val="accent1"/>
+          </a:effectRef>
+          <a:fontRef idx="minor">
+            <a:schemeClr val="lt1"/>
+          </a:fontRef>
+        </p:style>
+        <p:txBody>
+          <a:bodyPr rtlCol="0" anchor="ctr"/>
+          <a:lstStyle/>
+          <a:p>
+            <a:pPr algn="ctr"/>
+            <a:endParaRPr lang="ko-KR" altLang="en-US" sz="1000"/>
+          </a:p>
+        </p:txBody>
+      </p:sp>
+      <p:sp>
+        <p:nvSpPr>
+          <p:cNvPr id="5" name="타원 4"/>
+          <p:cNvSpPr/>
+          <p:nvPr/>
+        </p:nvSpPr>
+        <p:spPr>
+          <a:xfrm>
+            <a:off x="761445" y="483070"/>
+            <a:ext cx="625920" cy="613041"/>
+          </a:xfrm>
+          <a:prstGeom prst="ellipse">
+            <a:avLst/>
+          </a:prstGeom>
+          <a:solidFill>
+            <a:srgbClr val="64C044"/>
+          </a:solidFill>
+          <a:ln>
+            <a:noFill/>
+          </a:ln>
+        </p:spPr>
+        <p:style>
+          <a:lnRef idx="2">
+            <a:schemeClr val="accent1">
+              <a:shade val="50000"/>
+            </a:schemeClr>
+          </a:lnRef>
+          <a:fillRef idx="1">
+            <a:schemeClr val="accent1"/>
+          </a:fillRef>
+          <a:effectRef idx="0">
+            <a:schemeClr val="accent1"/>
+          </a:effectRef>
+          <a:fontRef idx="minor">
+            <a:schemeClr val="lt1"/>
+          </a:fontRef>
+        </p:style>
+        <p:txBody>
+          <a:bodyPr rtlCol="0" anchor="ctr"/>
+          <a:lstStyle/>
+          <a:p>
+            <a:pPr algn="ctr"/>
+            <a:endParaRPr lang="ko-KR" altLang="en-US" sz="1000"/>
+          </a:p>
+        </p:txBody>
+      </p:sp>
+      <p:sp>
+        <p:nvSpPr>
+          <p:cNvPr id="6" name="TextBox 5"/>
+          <p:cNvSpPr txBox="1"/>
+          <p:nvPr/>
+        </p:nvSpPr>
+        <p:spPr>
+          <a:xfrm>
+            <a:off x="1474773" y="505047"/>
+            <a:ext cx="4332357" cy="523220"/>
+          </a:xfrm>
+          <a:prstGeom prst="rect">
+            <a:avLst/>
+          </a:prstGeom>
+          <a:noFill/>
+        </p:spPr>
+        <p:txBody>
+          <a:bodyPr wrap="square" rtlCol="0">
+            <a:spAutoFit/>
+          </a:bodyPr>
+          <a:lstStyle/>
+          <a:p>
+            <a:r>
+              <a:rPr lang="ko-KR" altLang="en-US" sz="2800" dirty="0">
+                <a:latin typeface="맑은 고딕" panose="020B0503020000020004" pitchFamily="50" charset="-127"/>
+                <a:ea typeface="맑은 고딕" panose="020B0503020000020004" pitchFamily="50" charset="-127"/>
+              </a:rPr>
               <a:t>기능 상세</a:t>
             </a:r>
             <a:endParaRPr lang="en-US" altLang="ko-KR" sz="2800" dirty="0" smtClean="0">
@@ -4096,7 +5744,7 @@
 </p:sld>
 </file>
 
-<file path=ppt/slides/slide11.xml><?xml version="1.0" encoding="utf-8"?>
+<file path=ppt/slides/slide13.xml><?xml version="1.0" encoding="utf-8"?>
 <p:sld xmlns:a="http://schemas.openxmlformats.org/drawingml/2006/main" xmlns:r="http://schemas.openxmlformats.org/officeDocument/2006/relationships" xmlns:p="http://schemas.openxmlformats.org/presentationml/2006/main">
   <p:cSld>
     <p:spTree>
@@ -5415,7 +7063,7 @@
 </p:sld>
 </file>
 
-<file path=ppt/slides/slide12.xml><?xml version="1.0" encoding="utf-8"?>
+<file path=ppt/slides/slide14.xml><?xml version="1.0" encoding="utf-8"?>
 <p:sld xmlns:a="http://schemas.openxmlformats.org/drawingml/2006/main" xmlns:r="http://schemas.openxmlformats.org/officeDocument/2006/relationships" xmlns:p="http://schemas.openxmlformats.org/presentationml/2006/main">
   <p:cSld>
     <p:spTree>
@@ -6029,7 +7677,7 @@
 </p:sld>
 </file>
 
-<file path=ppt/slides/slide13.xml><?xml version="1.0" encoding="utf-8"?>
+<file path=ppt/slides/slide15.xml><?xml version="1.0" encoding="utf-8"?>
 <p:sld xmlns:a="http://schemas.openxmlformats.org/drawingml/2006/main" xmlns:r="http://schemas.openxmlformats.org/officeDocument/2006/relationships" xmlns:p="http://schemas.openxmlformats.org/presentationml/2006/main">
   <p:cSld>
     <p:spTree>
@@ -6697,7 +8345,7 @@
 </p:sld>
 </file>
 
-<file path=ppt/slides/slide14.xml><?xml version="1.0" encoding="utf-8"?>
+<file path=ppt/slides/slide16.xml><?xml version="1.0" encoding="utf-8"?>
 <p:sld xmlns:a="http://schemas.openxmlformats.org/drawingml/2006/main" xmlns:r="http://schemas.openxmlformats.org/officeDocument/2006/relationships" xmlns:p="http://schemas.openxmlformats.org/presentationml/2006/main">
   <p:cSld>
     <p:spTree>
@@ -6953,7 +8601,7 @@
         <p:spPr>
           <a:xfrm>
             <a:off x="700866" y="2346021"/>
-            <a:ext cx="11018168" cy="1417824"/>
+            <a:ext cx="11018168" cy="956159"/>
           </a:xfrm>
           <a:prstGeom prst="rect">
             <a:avLst/>
@@ -6982,20 +8630,7 @@
                 <a:latin typeface="맑은 고딕" panose="020B0503020000020004" pitchFamily="50" charset="-127"/>
                 <a:ea typeface="맑은 고딕" panose="020B0503020000020004" pitchFamily="50" charset="-127"/>
               </a:rPr>
-              <a:t>내용을 입력해주세요</a:t>
-            </a:r>
-            <a:r>
-              <a:rPr lang="en-US" altLang="ko-KR" sz="2000" dirty="0">
-                <a:solidFill>
-                  <a:schemeClr val="tx1">
-                    <a:lumMod val="65000"/>
-                    <a:lumOff val="35000"/>
-                  </a:schemeClr>
-                </a:solidFill>
-                <a:latin typeface="맑은 고딕" panose="020B0503020000020004" pitchFamily="50" charset="-127"/>
-                <a:ea typeface="맑은 고딕" panose="020B0503020000020004" pitchFamily="50" charset="-127"/>
-              </a:rPr>
-              <a:t> </a:t>
+              <a:t>기능적인 부분을 </a:t>
             </a:r>
             <a:r>
               <a:rPr lang="ko-KR" altLang="en-US" sz="2000" dirty="0" err="1" smtClean="0">
@@ -7008,7 +8643,33 @@
                 <a:latin typeface="맑은 고딕" panose="020B0503020000020004" pitchFamily="50" charset="-127"/>
                 <a:ea typeface="맑은 고딕" panose="020B0503020000020004" pitchFamily="50" charset="-127"/>
               </a:rPr>
-              <a:t>샘샘</a:t>
+              <a:t>중점으로하여</a:t>
+            </a:r>
+            <a:r>
+              <a:rPr lang="ko-KR" altLang="en-US" sz="2000" dirty="0" smtClean="0">
+                <a:solidFill>
+                  <a:schemeClr val="tx1">
+                    <a:lumMod val="65000"/>
+                    <a:lumOff val="35000"/>
+                  </a:schemeClr>
+                </a:solidFill>
+                <a:latin typeface="맑은 고딕" panose="020B0503020000020004" pitchFamily="50" charset="-127"/>
+                <a:ea typeface="맑은 고딕" panose="020B0503020000020004" pitchFamily="50" charset="-127"/>
+              </a:rPr>
+              <a:t> 단조로운 </a:t>
+            </a:r>
+            <a:r>
+              <a:rPr lang="ko-KR" altLang="en-US" sz="2000" dirty="0" smtClean="0">
+                <a:solidFill>
+                  <a:schemeClr val="tx1">
+                    <a:lumMod val="65000"/>
+                    <a:lumOff val="35000"/>
+                  </a:schemeClr>
+                </a:solidFill>
+                <a:latin typeface="맑은 고딕" panose="020B0503020000020004" pitchFamily="50" charset="-127"/>
+                <a:ea typeface="맑은 고딕" panose="020B0503020000020004" pitchFamily="50" charset="-127"/>
+              </a:rPr>
+              <a:t>디자인이라 아쉬움이 있다</a:t>
             </a:r>
             <a:r>
               <a:rPr lang="en-US" altLang="ko-KR" sz="2000" dirty="0" smtClean="0">
@@ -7021,216 +8682,15 @@
                 <a:latin typeface="맑은 고딕" panose="020B0503020000020004" pitchFamily="50" charset="-127"/>
                 <a:ea typeface="맑은 고딕" panose="020B0503020000020004" pitchFamily="50" charset="-127"/>
               </a:rPr>
-              <a:t>PPT </a:t>
-            </a:r>
-            <a:r>
-              <a:rPr lang="ko-KR" altLang="en-US" sz="2000" dirty="0" smtClean="0">
-                <a:solidFill>
-                  <a:schemeClr val="tx1">
-                    <a:lumMod val="65000"/>
-                    <a:lumOff val="35000"/>
-                  </a:schemeClr>
-                </a:solidFill>
-                <a:latin typeface="맑은 고딕" panose="020B0503020000020004" pitchFamily="50" charset="-127"/>
-                <a:ea typeface="맑은 고딕" panose="020B0503020000020004" pitchFamily="50" charset="-127"/>
-              </a:rPr>
-              <a:t>많은 이용 부탁드려요</a:t>
-            </a:r>
-            <a:r>
-              <a:rPr lang="en-US" altLang="ko-KR" sz="2000" dirty="0">
-                <a:solidFill>
-                  <a:schemeClr val="tx1">
-                    <a:lumMod val="65000"/>
-                    <a:lumOff val="35000"/>
-                  </a:schemeClr>
-                </a:solidFill>
-                <a:latin typeface="맑은 고딕" panose="020B0503020000020004" pitchFamily="50" charset="-127"/>
-                <a:ea typeface="맑은 고딕" panose="020B0503020000020004" pitchFamily="50" charset="-127"/>
-              </a:rPr>
-              <a:t> </a:t>
-            </a:r>
-            <a:r>
-              <a:rPr lang="ko-KR" altLang="en-US" sz="2000" dirty="0" smtClean="0">
-                <a:solidFill>
-                  <a:schemeClr val="tx1">
-                    <a:lumMod val="65000"/>
-                    <a:lumOff val="35000"/>
-                  </a:schemeClr>
-                </a:solidFill>
-                <a:latin typeface="맑은 고딕" panose="020B0503020000020004" pitchFamily="50" charset="-127"/>
-                <a:ea typeface="맑은 고딕" panose="020B0503020000020004" pitchFamily="50" charset="-127"/>
-              </a:rPr>
-              <a:t>내용을 입력해주세요</a:t>
-            </a:r>
-            <a:r>
-              <a:rPr lang="en-US" altLang="ko-KR" sz="2000" dirty="0" smtClean="0">
-                <a:solidFill>
-                  <a:schemeClr val="tx1">
-                    <a:lumMod val="65000"/>
-                    <a:lumOff val="35000"/>
-                  </a:schemeClr>
-                </a:solidFill>
-                <a:latin typeface="맑은 고딕" panose="020B0503020000020004" pitchFamily="50" charset="-127"/>
-                <a:ea typeface="맑은 고딕" panose="020B0503020000020004" pitchFamily="50" charset="-127"/>
-              </a:rPr>
-              <a:t> </a:t>
-            </a:r>
-            <a:r>
-              <a:rPr lang="ko-KR" altLang="en-US" sz="2000" dirty="0" err="1" smtClean="0">
-                <a:solidFill>
-                  <a:schemeClr val="tx1">
-                    <a:lumMod val="65000"/>
-                    <a:lumOff val="35000"/>
-                  </a:schemeClr>
-                </a:solidFill>
-                <a:latin typeface="맑은 고딕" panose="020B0503020000020004" pitchFamily="50" charset="-127"/>
-                <a:ea typeface="맑은 고딕" panose="020B0503020000020004" pitchFamily="50" charset="-127"/>
-              </a:rPr>
-              <a:t>샘샘</a:t>
-            </a:r>
-            <a:r>
-              <a:rPr lang="en-US" altLang="ko-KR" sz="2000" dirty="0">
-                <a:solidFill>
-                  <a:schemeClr val="tx1">
-                    <a:lumMod val="65000"/>
-                    <a:lumOff val="35000"/>
-                  </a:schemeClr>
-                </a:solidFill>
-                <a:latin typeface="맑은 고딕" panose="020B0503020000020004" pitchFamily="50" charset="-127"/>
-                <a:ea typeface="맑은 고딕" panose="020B0503020000020004" pitchFamily="50" charset="-127"/>
-              </a:rPr>
-              <a:t>PPT </a:t>
-            </a:r>
-            <a:r>
-              <a:rPr lang="ko-KR" altLang="en-US" sz="2000" dirty="0">
-                <a:solidFill>
-                  <a:schemeClr val="tx1">
-                    <a:lumMod val="65000"/>
-                    <a:lumOff val="35000"/>
-                  </a:schemeClr>
-                </a:solidFill>
-                <a:latin typeface="맑은 고딕" panose="020B0503020000020004" pitchFamily="50" charset="-127"/>
-                <a:ea typeface="맑은 고딕" panose="020B0503020000020004" pitchFamily="50" charset="-127"/>
-              </a:rPr>
-              <a:t>많은 이용 </a:t>
-            </a:r>
-            <a:r>
-              <a:rPr lang="ko-KR" altLang="en-US" sz="2000" dirty="0" smtClean="0">
-                <a:solidFill>
-                  <a:schemeClr val="tx1">
-                    <a:lumMod val="65000"/>
-                    <a:lumOff val="35000"/>
-                  </a:schemeClr>
-                </a:solidFill>
-                <a:latin typeface="맑은 고딕" panose="020B0503020000020004" pitchFamily="50" charset="-127"/>
-                <a:ea typeface="맑은 고딕" panose="020B0503020000020004" pitchFamily="50" charset="-127"/>
-              </a:rPr>
-              <a:t>부탁드려요</a:t>
-            </a:r>
-            <a:r>
-              <a:rPr lang="ko-KR" altLang="en-US" sz="2000" dirty="0">
-                <a:solidFill>
-                  <a:schemeClr val="tx1">
-                    <a:lumMod val="65000"/>
-                    <a:lumOff val="35000"/>
-                  </a:schemeClr>
-                </a:solidFill>
-                <a:latin typeface="맑은 고딕" panose="020B0503020000020004" pitchFamily="50" charset="-127"/>
-                <a:ea typeface="맑은 고딕" panose="020B0503020000020004" pitchFamily="50" charset="-127"/>
-              </a:rPr>
-              <a:t> 내용을 입력해주세요 내용을 입력해주세요</a:t>
-            </a:r>
-            <a:r>
-              <a:rPr lang="en-US" altLang="ko-KR" sz="2000" dirty="0">
-                <a:solidFill>
-                  <a:schemeClr val="tx1">
-                    <a:lumMod val="65000"/>
-                    <a:lumOff val="35000"/>
-                  </a:schemeClr>
-                </a:solidFill>
-                <a:latin typeface="맑은 고딕" panose="020B0503020000020004" pitchFamily="50" charset="-127"/>
-                <a:ea typeface="맑은 고딕" panose="020B0503020000020004" pitchFamily="50" charset="-127"/>
-              </a:rPr>
-              <a:t> </a:t>
-            </a:r>
-            <a:r>
-              <a:rPr lang="ko-KR" altLang="en-US" sz="2000" dirty="0" err="1">
-                <a:solidFill>
-                  <a:schemeClr val="tx1">
-                    <a:lumMod val="65000"/>
-                    <a:lumOff val="35000"/>
-                  </a:schemeClr>
-                </a:solidFill>
-                <a:latin typeface="맑은 고딕" panose="020B0503020000020004" pitchFamily="50" charset="-127"/>
-                <a:ea typeface="맑은 고딕" panose="020B0503020000020004" pitchFamily="50" charset="-127"/>
-              </a:rPr>
-              <a:t>샘샘</a:t>
-            </a:r>
-            <a:r>
-              <a:rPr lang="en-US" altLang="ko-KR" sz="2000" dirty="0">
-                <a:solidFill>
-                  <a:schemeClr val="tx1">
-                    <a:lumMod val="65000"/>
-                    <a:lumOff val="35000"/>
-                  </a:schemeClr>
-                </a:solidFill>
-                <a:latin typeface="맑은 고딕" panose="020B0503020000020004" pitchFamily="50" charset="-127"/>
-                <a:ea typeface="맑은 고딕" panose="020B0503020000020004" pitchFamily="50" charset="-127"/>
-              </a:rPr>
-              <a:t>PPT </a:t>
-            </a:r>
-            <a:r>
-              <a:rPr lang="ko-KR" altLang="en-US" sz="2000" dirty="0">
-                <a:solidFill>
-                  <a:schemeClr val="tx1">
-                    <a:lumMod val="65000"/>
-                    <a:lumOff val="35000"/>
-                  </a:schemeClr>
-                </a:solidFill>
-                <a:latin typeface="맑은 고딕" panose="020B0503020000020004" pitchFamily="50" charset="-127"/>
-                <a:ea typeface="맑은 고딕" panose="020B0503020000020004" pitchFamily="50" charset="-127"/>
-              </a:rPr>
-              <a:t>많은 이용 부탁드려요</a:t>
-            </a:r>
-            <a:r>
-              <a:rPr lang="en-US" altLang="ko-KR" sz="2000" dirty="0">
-                <a:solidFill>
-                  <a:schemeClr val="tx1">
-                    <a:lumMod val="65000"/>
-                    <a:lumOff val="35000"/>
-                  </a:schemeClr>
-                </a:solidFill>
-                <a:latin typeface="맑은 고딕" panose="020B0503020000020004" pitchFamily="50" charset="-127"/>
-                <a:ea typeface="맑은 고딕" panose="020B0503020000020004" pitchFamily="50" charset="-127"/>
-              </a:rPr>
-              <a:t> </a:t>
-            </a:r>
-            <a:r>
-              <a:rPr lang="ko-KR" altLang="en-US" sz="2000" dirty="0">
-                <a:solidFill>
-                  <a:schemeClr val="tx1">
-                    <a:lumMod val="65000"/>
-                    <a:lumOff val="35000"/>
-                  </a:schemeClr>
-                </a:solidFill>
-                <a:latin typeface="맑은 고딕" panose="020B0503020000020004" pitchFamily="50" charset="-127"/>
-                <a:ea typeface="맑은 고딕" panose="020B0503020000020004" pitchFamily="50" charset="-127"/>
-              </a:rPr>
-              <a:t>내용을 </a:t>
-            </a:r>
-            <a:r>
-              <a:rPr lang="ko-KR" altLang="en-US" sz="2000" dirty="0" smtClean="0">
-                <a:solidFill>
-                  <a:schemeClr val="tx1">
-                    <a:lumMod val="65000"/>
-                    <a:lumOff val="35000"/>
-                  </a:schemeClr>
-                </a:solidFill>
-                <a:latin typeface="맑은 고딕" panose="020B0503020000020004" pitchFamily="50" charset="-127"/>
-                <a:ea typeface="맑은 고딕" panose="020B0503020000020004" pitchFamily="50" charset="-127"/>
-              </a:rPr>
-              <a:t>입력해주세요</a:t>
-            </a:r>
+              <a:t>..</a:t>
+            </a:r>
+          </a:p>
+          <a:p>
+            <a:pPr algn="just">
+              <a:lnSpc>
+                <a:spcPct val="150000"/>
+              </a:lnSpc>
+            </a:pPr>
             <a:endParaRPr lang="ko-KR" altLang="en-US" sz="2000" dirty="0">
               <a:solidFill>
                 <a:schemeClr val="tx1">
@@ -7866,7 +9326,7 @@
 </p:sld>
 </file>
 
-<file path=ppt/slides/slide15.xml><?xml version="1.0" encoding="utf-8"?>
+<file path=ppt/slides/slide17.xml><?xml version="1.0" encoding="utf-8"?>
 <p:sld xmlns:a="http://schemas.openxmlformats.org/drawingml/2006/main" xmlns:r="http://schemas.openxmlformats.org/officeDocument/2006/relationships" xmlns:p="http://schemas.openxmlformats.org/presentationml/2006/main">
   <p:cSld>
     <p:spTree>
@@ -13776,7 +15236,7 @@
 </p:sld>
 </file>
 
-<file path=ppt/slides/slide16.xml><?xml version="1.0" encoding="utf-8"?>
+<file path=ppt/slides/slide18.xml><?xml version="1.0" encoding="utf-8"?>
 <p:sld xmlns:a="http://schemas.openxmlformats.org/drawingml/2006/main" xmlns:r="http://schemas.openxmlformats.org/officeDocument/2006/relationships" xmlns:p="http://schemas.openxmlformats.org/presentationml/2006/main">
   <p:cSld>
     <p:spTree>
@@ -14484,7 +15944,7 @@
 </p:sld>
 </file>
 
-<file path=ppt/slides/slide17.xml><?xml version="1.0" encoding="utf-8"?>
+<file path=ppt/slides/slide19.xml><?xml version="1.0" encoding="utf-8"?>
 <p:sld xmlns:a="http://schemas.openxmlformats.org/drawingml/2006/main" xmlns:r="http://schemas.openxmlformats.org/officeDocument/2006/relationships" xmlns:p="http://schemas.openxmlformats.org/presentationml/2006/main">
   <p:cSld>
     <p:spTree>
@@ -15120,7 +16580,7 @@
         </p:nvSpPr>
         <p:spPr>
           <a:xfrm>
-            <a:off x="4122168" y="2822083"/>
+            <a:off x="4274526" y="2808428"/>
             <a:ext cx="4792717" cy="646331"/>
           </a:xfrm>
           <a:prstGeom prst="rect">
@@ -15135,26 +16595,19 @@
           <a:lstStyle/>
           <a:p>
             <a:pPr algn="dist"/>
+            <a:r>
+              <a:rPr lang="en-US" altLang="ko-KR" sz="3600" b="1" dirty="0" smtClean="0">
+                <a:latin typeface="맑은 고딕" panose="020B0503020000020004" pitchFamily="50" charset="-127"/>
+                <a:ea typeface="맑은 고딕" panose="020B0503020000020004" pitchFamily="50" charset="-127"/>
+              </a:rPr>
+              <a:t>2Z</a:t>
+            </a:r>
             <a:r>
               <a:rPr lang="ko-KR" altLang="en-US" sz="3600" b="1" dirty="0" smtClean="0">
                 <a:latin typeface="맑은 고딕" panose="020B0503020000020004" pitchFamily="50" charset="-127"/>
                 <a:ea typeface="맑은 고딕" panose="020B0503020000020004" pitchFamily="50" charset="-127"/>
               </a:rPr>
-              <a:t>지하철 </a:t>
-            </a:r>
-            <a:r>
-              <a:rPr lang="en-US" altLang="ko-KR" sz="3600" b="1" dirty="0" smtClean="0">
-                <a:latin typeface="맑은 고딕" panose="020B0503020000020004" pitchFamily="50" charset="-127"/>
-                <a:ea typeface="맑은 고딕" panose="020B0503020000020004" pitchFamily="50" charset="-127"/>
-              </a:rPr>
-              <a:t>PPT </a:t>
-            </a:r>
-            <a:r>
-              <a:rPr lang="ko-KR" altLang="en-US" sz="3600" b="1" dirty="0" smtClean="0">
-                <a:latin typeface="맑은 고딕" panose="020B0503020000020004" pitchFamily="50" charset="-127"/>
-                <a:ea typeface="맑은 고딕" panose="020B0503020000020004" pitchFamily="50" charset="-127"/>
-              </a:rPr>
-              <a:t>템플릿</a:t>
+              <a:t>지하철</a:t>
             </a:r>
             <a:endParaRPr lang="en-US" altLang="ko-KR" sz="3600" b="1" dirty="0" smtClean="0">
               <a:latin typeface="맑은 고딕" panose="020B0503020000020004" pitchFamily="50" charset="-127"/>
@@ -15171,8 +16624,8 @@
         </p:nvSpPr>
         <p:spPr>
           <a:xfrm>
-            <a:off x="4816365" y="3536214"/>
-            <a:ext cx="2559269" cy="461665"/>
+            <a:off x="4403833" y="3538199"/>
+            <a:ext cx="4572000" cy="461665"/>
           </a:xfrm>
           <a:prstGeom prst="rect">
             <a:avLst/>
@@ -15187,7 +16640,7 @@
           <a:p>
             <a:pPr algn="dist"/>
             <a:r>
-              <a:rPr lang="en-US" altLang="ko-KR" sz="2400" dirty="0" err="1" smtClean="0">
+              <a:rPr lang="ko-KR" altLang="en-US" sz="2400" dirty="0" smtClean="0">
                 <a:solidFill>
                   <a:schemeClr val="tx1">
                     <a:lumMod val="75000"/>
@@ -15197,7 +16650,7 @@
                 <a:latin typeface="맑은 고딕" panose="020B0503020000020004" pitchFamily="50" charset="-127"/>
                 <a:ea typeface="맑은 고딕" panose="020B0503020000020004" pitchFamily="50" charset="-127"/>
               </a:rPr>
-              <a:t>Semsemppt</a:t>
+              <a:t>쉽고 빠른 지하철 정보 찾기</a:t>
             </a:r>
             <a:endParaRPr lang="en-US" altLang="ko-KR" sz="2400" dirty="0" smtClean="0">
               <a:solidFill>
@@ -15238,50 +16691,6 @@
           <a:lstStyle/>
           <a:p>
             <a:endParaRPr lang="ko-KR" altLang="en-US" dirty="0"/>
-          </a:p>
-        </p:txBody>
-      </p:sp>
-      <p:sp>
-        <p:nvSpPr>
-          <p:cNvPr id="9" name="직사각형 8"/>
-          <p:cNvSpPr/>
-          <p:nvPr/>
-        </p:nvSpPr>
-        <p:spPr>
-          <a:xfrm>
-            <a:off x="7456229" y="3536213"/>
-            <a:ext cx="932962" cy="461665"/>
-          </a:xfrm>
-          <a:prstGeom prst="rect">
-            <a:avLst/>
-          </a:prstGeom>
-        </p:spPr>
-        <p:txBody>
-          <a:bodyPr wrap="square">
-            <a:spAutoFit/>
-          </a:bodyPr>
-          <a:lstStyle/>
-          <a:p>
-            <a:pPr algn="dist"/>
-            <a:r>
-              <a:rPr lang="ko-KR" altLang="en-US" sz="2400" dirty="0" smtClean="0">
-                <a:solidFill>
-                  <a:schemeClr val="tx1">
-                    <a:lumMod val="75000"/>
-                    <a:lumOff val="25000"/>
-                  </a:schemeClr>
-                </a:solidFill>
-              </a:rPr>
-              <a:t>泉泉</a:t>
-            </a:r>
-            <a:endParaRPr lang="ko-KR" altLang="en-US" sz="2400" dirty="0">
-              <a:solidFill>
-                <a:schemeClr val="tx1">
-                  <a:lumMod val="75000"/>
-                  <a:lumOff val="25000"/>
-                </a:schemeClr>
-              </a:solidFill>
-            </a:endParaRPr>
           </a:p>
         </p:txBody>
       </p:sp>
@@ -19777,7 +21186,7 @@
         <p:spPr>
           <a:xfrm>
             <a:off x="4498494" y="3857297"/>
-            <a:ext cx="3288631" cy="1477328"/>
+            <a:ext cx="3288631" cy="646331"/>
           </a:xfrm>
           <a:prstGeom prst="rect">
             <a:avLst/>
@@ -19790,7 +21199,7 @@
           </a:bodyPr>
           <a:lstStyle/>
           <a:p>
-            <a:pPr algn="just"/>
+            <a:pPr algn="ctr"/>
             <a:r>
               <a:rPr lang="ko-KR" altLang="en-US" dirty="0" smtClean="0">
                 <a:solidFill>
@@ -19802,20 +21211,7 @@
                 <a:latin typeface="맑은 고딕" panose="020B0503020000020004" pitchFamily="50" charset="-127"/>
                 <a:ea typeface="맑은 고딕" panose="020B0503020000020004" pitchFamily="50" charset="-127"/>
               </a:rPr>
-              <a:t>내용을 입력해주세요</a:t>
-            </a:r>
-            <a:r>
-              <a:rPr lang="en-US" altLang="ko-KR" dirty="0" smtClean="0">
-                <a:solidFill>
-                  <a:schemeClr val="tx1">
-                    <a:lumMod val="65000"/>
-                    <a:lumOff val="35000"/>
-                  </a:schemeClr>
-                </a:solidFill>
-                <a:latin typeface="맑은 고딕" panose="020B0503020000020004" pitchFamily="50" charset="-127"/>
-                <a:ea typeface="맑은 고딕" panose="020B0503020000020004" pitchFamily="50" charset="-127"/>
-              </a:rPr>
-              <a:t> </a:t>
+              <a:t>디자인 </a:t>
             </a:r>
             <a:r>
               <a:rPr lang="ko-KR" altLang="en-US" dirty="0" err="1" smtClean="0">
@@ -19828,21 +21224,21 @@
                 <a:latin typeface="맑은 고딕" panose="020B0503020000020004" pitchFamily="50" charset="-127"/>
                 <a:ea typeface="맑은 고딕" panose="020B0503020000020004" pitchFamily="50" charset="-127"/>
               </a:rPr>
-              <a:t>샘샘</a:t>
-            </a:r>
-            <a:r>
-              <a:rPr lang="en-US" altLang="ko-KR" dirty="0" smtClean="0">
-                <a:solidFill>
-                  <a:schemeClr val="tx1">
-                    <a:lumMod val="65000"/>
-                    <a:lumOff val="35000"/>
-                  </a:schemeClr>
-                </a:solidFill>
-                <a:latin typeface="맑은 고딕" panose="020B0503020000020004" pitchFamily="50" charset="-127"/>
-                <a:ea typeface="맑은 고딕" panose="020B0503020000020004" pitchFamily="50" charset="-127"/>
-              </a:rPr>
-              <a:t>PPT </a:t>
-            </a:r>
+              <a:t>컨셉기획</a:t>
+            </a:r>
+            <a:endParaRPr lang="en-US" altLang="ko-KR" dirty="0" smtClean="0">
+              <a:solidFill>
+                <a:schemeClr val="tx1">
+                  <a:lumMod val="65000"/>
+                  <a:lumOff val="35000"/>
+                </a:schemeClr>
+              </a:solidFill>
+              <a:latin typeface="맑은 고딕" panose="020B0503020000020004" pitchFamily="50" charset="-127"/>
+              <a:ea typeface="맑은 고딕" panose="020B0503020000020004" pitchFamily="50" charset="-127"/>
+            </a:endParaRPr>
+          </a:p>
+          <a:p>
+            <a:pPr algn="ctr"/>
             <a:r>
               <a:rPr lang="ko-KR" altLang="en-US" dirty="0" smtClean="0">
                 <a:solidFill>
@@ -19854,85 +21250,7 @@
                 <a:latin typeface="맑은 고딕" panose="020B0503020000020004" pitchFamily="50" charset="-127"/>
                 <a:ea typeface="맑은 고딕" panose="020B0503020000020004" pitchFamily="50" charset="-127"/>
               </a:rPr>
-              <a:t>많은 이용 부탁드려요</a:t>
-            </a:r>
-            <a:r>
-              <a:rPr lang="en-US" altLang="ko-KR" dirty="0" smtClean="0">
-                <a:solidFill>
-                  <a:schemeClr val="tx1">
-                    <a:lumMod val="65000"/>
-                    <a:lumOff val="35000"/>
-                  </a:schemeClr>
-                </a:solidFill>
-                <a:latin typeface="맑은 고딕" panose="020B0503020000020004" pitchFamily="50" charset="-127"/>
-                <a:ea typeface="맑은 고딕" panose="020B0503020000020004" pitchFamily="50" charset="-127"/>
-              </a:rPr>
-              <a:t> </a:t>
-            </a:r>
-            <a:r>
-              <a:rPr lang="ko-KR" altLang="en-US" dirty="0" smtClean="0">
-                <a:solidFill>
-                  <a:schemeClr val="tx1">
-                    <a:lumMod val="65000"/>
-                    <a:lumOff val="35000"/>
-                  </a:schemeClr>
-                </a:solidFill>
-                <a:latin typeface="맑은 고딕" panose="020B0503020000020004" pitchFamily="50" charset="-127"/>
-                <a:ea typeface="맑은 고딕" panose="020B0503020000020004" pitchFamily="50" charset="-127"/>
-              </a:rPr>
-              <a:t>내용을 입력해주세요</a:t>
-            </a:r>
-            <a:r>
-              <a:rPr lang="en-US" altLang="ko-KR" dirty="0" smtClean="0">
-                <a:solidFill>
-                  <a:schemeClr val="tx1">
-                    <a:lumMod val="65000"/>
-                    <a:lumOff val="35000"/>
-                  </a:schemeClr>
-                </a:solidFill>
-                <a:latin typeface="맑은 고딕" panose="020B0503020000020004" pitchFamily="50" charset="-127"/>
-                <a:ea typeface="맑은 고딕" panose="020B0503020000020004" pitchFamily="50" charset="-127"/>
-              </a:rPr>
-              <a:t> </a:t>
-            </a:r>
-            <a:r>
-              <a:rPr lang="ko-KR" altLang="en-US" dirty="0" err="1" smtClean="0">
-                <a:solidFill>
-                  <a:schemeClr val="tx1">
-                    <a:lumMod val="65000"/>
-                    <a:lumOff val="35000"/>
-                  </a:schemeClr>
-                </a:solidFill>
-                <a:latin typeface="맑은 고딕" panose="020B0503020000020004" pitchFamily="50" charset="-127"/>
-                <a:ea typeface="맑은 고딕" panose="020B0503020000020004" pitchFamily="50" charset="-127"/>
-              </a:rPr>
-              <a:t>샘샘</a:t>
-            </a:r>
-            <a:r>
-              <a:rPr lang="en-US" altLang="ko-KR" dirty="0" smtClean="0">
-                <a:solidFill>
-                  <a:schemeClr val="tx1">
-                    <a:lumMod val="65000"/>
-                    <a:lumOff val="35000"/>
-                  </a:schemeClr>
-                </a:solidFill>
-                <a:latin typeface="맑은 고딕" panose="020B0503020000020004" pitchFamily="50" charset="-127"/>
-                <a:ea typeface="맑은 고딕" panose="020B0503020000020004" pitchFamily="50" charset="-127"/>
-              </a:rPr>
-              <a:t>PPT </a:t>
-            </a:r>
-            <a:r>
-              <a:rPr lang="ko-KR" altLang="en-US" dirty="0" smtClean="0">
-                <a:solidFill>
-                  <a:schemeClr val="tx1">
-                    <a:lumMod val="65000"/>
-                    <a:lumOff val="35000"/>
-                  </a:schemeClr>
-                </a:solidFill>
-                <a:latin typeface="맑은 고딕" panose="020B0503020000020004" pitchFamily="50" charset="-127"/>
-                <a:ea typeface="맑은 고딕" panose="020B0503020000020004" pitchFamily="50" charset="-127"/>
-              </a:rPr>
-              <a:t>많은 이용 부탁드려요 내용을 입력해주세요</a:t>
+              <a:t>스타일링</a:t>
             </a:r>
             <a:endParaRPr lang="ko-KR" altLang="en-US" dirty="0">
               <a:solidFill>
@@ -20244,18 +21562,11 @@
           <a:lstStyle/>
           <a:p>
             <a:r>
-              <a:rPr lang="ko-KR" altLang="en-US" sz="2800" dirty="0">
-                <a:latin typeface="맑은 고딕" panose="020B0503020000020004" pitchFamily="50" charset="-127"/>
-                <a:ea typeface="맑은 고딕" panose="020B0503020000020004" pitchFamily="50" charset="-127"/>
-              </a:rPr>
-              <a:t>기능 </a:t>
-            </a:r>
-            <a:r>
               <a:rPr lang="ko-KR" altLang="en-US" sz="2800" dirty="0" smtClean="0">
                 <a:latin typeface="맑은 고딕" panose="020B0503020000020004" pitchFamily="50" charset="-127"/>
                 <a:ea typeface="맑은 고딕" panose="020B0503020000020004" pitchFamily="50" charset="-127"/>
               </a:rPr>
-              <a:t>상세</a:t>
+              <a:t>로고</a:t>
             </a:r>
             <a:endParaRPr lang="en-US" altLang="ko-KR" sz="2800" dirty="0" smtClean="0">
               <a:latin typeface="맑은 고딕" panose="020B0503020000020004" pitchFamily="50" charset="-127"/>
@@ -20266,7 +21577,7 @@
       </p:sp>
       <p:sp>
         <p:nvSpPr>
-          <p:cNvPr id="9" name="TextBox 8"/>
+          <p:cNvPr id="7" name="TextBox 6"/>
           <p:cNvSpPr txBox="1"/>
           <p:nvPr/>
         </p:nvSpPr>
@@ -20287,7 +21598,7 @@
           <a:lstStyle/>
           <a:p>
             <a:r>
-              <a:rPr lang="en-US" altLang="ko-KR" sz="3600" b="1" dirty="0" smtClean="0">
+              <a:rPr lang="en-US" altLang="ko-KR" sz="3600" b="1" dirty="0">
                 <a:solidFill>
                   <a:schemeClr val="bg1"/>
                 </a:solidFill>
@@ -20296,285 +21607,143 @@
               </a:rPr>
               <a:t>3</a:t>
             </a:r>
-          </a:p>
-        </p:txBody>
-      </p:sp>
-      <p:sp>
-        <p:nvSpPr>
-          <p:cNvPr id="8" name="타원 7"/>
-          <p:cNvSpPr/>
-          <p:nvPr/>
-        </p:nvSpPr>
-        <p:spPr>
-          <a:xfrm>
-            <a:off x="1074405" y="1877321"/>
-            <a:ext cx="557048" cy="557048"/>
-          </a:xfrm>
-          <a:prstGeom prst="ellipse">
-            <a:avLst/>
-          </a:prstGeom>
-          <a:solidFill>
-            <a:srgbClr val="64C044"/>
-          </a:solidFill>
-          <a:ln>
-            <a:noFill/>
-          </a:ln>
-        </p:spPr>
-        <p:style>
-          <a:lnRef idx="2">
-            <a:schemeClr val="accent1">
-              <a:shade val="50000"/>
-            </a:schemeClr>
-          </a:lnRef>
-          <a:fillRef idx="1">
-            <a:schemeClr val="accent1"/>
-          </a:fillRef>
-          <a:effectRef idx="0">
-            <a:schemeClr val="accent1"/>
-          </a:effectRef>
-          <a:fontRef idx="minor">
-            <a:schemeClr val="lt1"/>
-          </a:fontRef>
-        </p:style>
-        <p:txBody>
-          <a:bodyPr rtlCol="0" anchor="ctr"/>
-          <a:lstStyle/>
-          <a:p>
-            <a:pPr algn="ctr"/>
-            <a:r>
-              <a:rPr lang="en-US" altLang="ko-KR" sz="2400" b="1" dirty="0" smtClean="0">
-                <a:latin typeface="맑은 고딕" panose="020B0503020000020004" pitchFamily="50" charset="-127"/>
-                <a:ea typeface="맑은 고딕" panose="020B0503020000020004" pitchFamily="50" charset="-127"/>
-              </a:rPr>
-              <a:t>1</a:t>
-            </a:r>
-            <a:endParaRPr lang="ko-KR" altLang="en-US" sz="2400" b="1" dirty="0">
+            <a:endParaRPr lang="ko-KR" altLang="en-US" sz="3600" b="1" dirty="0">
+              <a:solidFill>
+                <a:schemeClr val="bg1"/>
+              </a:solidFill>
               <a:latin typeface="맑은 고딕" panose="020B0503020000020004" pitchFamily="50" charset="-127"/>
               <a:ea typeface="맑은 고딕" panose="020B0503020000020004" pitchFamily="50" charset="-127"/>
             </a:endParaRPr>
           </a:p>
         </p:txBody>
       </p:sp>
-      <p:sp>
-        <p:nvSpPr>
-          <p:cNvPr id="10" name="TextBox 9"/>
-          <p:cNvSpPr txBox="1"/>
-          <p:nvPr/>
-        </p:nvSpPr>
-        <p:spPr>
-          <a:xfrm>
-            <a:off x="1847370" y="1949323"/>
-            <a:ext cx="1420582" cy="369332"/>
-          </a:xfrm>
-          <a:prstGeom prst="rect">
-            <a:avLst/>
-          </a:prstGeom>
-          <a:noFill/>
-        </p:spPr>
-        <p:txBody>
-          <a:bodyPr wrap="none" rtlCol="0">
-            <a:spAutoFit/>
-          </a:bodyPr>
-          <a:lstStyle/>
-          <a:p>
-            <a:r>
-              <a:rPr lang="ko-KR" altLang="en-US" dirty="0" smtClean="0">
-                <a:ea typeface="맑은 고딕" panose="020B0503020000020004" pitchFamily="50" charset="-127"/>
-              </a:rPr>
-              <a:t>데이터 수집</a:t>
-            </a:r>
-            <a:endParaRPr lang="ko-KR" altLang="en-US" dirty="0">
-              <a:ea typeface="맑은 고딕" panose="020B0503020000020004" pitchFamily="50" charset="-127"/>
-            </a:endParaRPr>
-          </a:p>
-        </p:txBody>
-      </p:sp>
       <p:pic>
         <p:nvPicPr>
-          <p:cNvPr id="11" name="그림 10"/>
+          <p:cNvPr id="12" name="그림 11"/>
           <p:cNvPicPr>
             <a:picLocks noChangeAspect="1"/>
           </p:cNvPicPr>
           <p:nvPr/>
         </p:nvPicPr>
         <p:blipFill>
-          <a:blip r:embed="rId2"/>
+          <a:blip r:embed="rId2" cstate="print">
+            <a:extLst>
+              <a:ext uri="{28A0092B-C50C-407E-A947-70E740481C1C}">
+                <a14:useLocalDpi xmlns:a14="http://schemas.microsoft.com/office/drawing/2010/main" val="0"/>
+              </a:ext>
+            </a:extLst>
+          </a:blip>
           <a:stretch>
             <a:fillRect/>
           </a:stretch>
         </p:blipFill>
         <p:spPr>
           <a:xfrm>
-            <a:off x="1225316" y="3446234"/>
-            <a:ext cx="4875078" cy="1136646"/>
+            <a:off x="1576551" y="1978264"/>
+            <a:ext cx="1572082" cy="1572082"/>
           </a:xfrm>
           <a:prstGeom prst="rect">
             <a:avLst/>
           </a:prstGeom>
-          <a:ln w="76200">
-            <a:solidFill>
-              <a:schemeClr val="bg2">
-                <a:lumMod val="90000"/>
-              </a:schemeClr>
-            </a:solidFill>
-          </a:ln>
         </p:spPr>
       </p:pic>
       <p:sp>
         <p:nvSpPr>
-          <p:cNvPr id="13" name="직사각형 12"/>
-          <p:cNvSpPr/>
-          <p:nvPr/>
-        </p:nvSpPr>
-        <p:spPr>
-          <a:xfrm>
-            <a:off x="1387364" y="2562139"/>
-            <a:ext cx="9422597" cy="307777"/>
+          <p:cNvPr id="17" name="TextBox 16"/>
+          <p:cNvSpPr txBox="1"/>
+          <p:nvPr/>
+        </p:nvSpPr>
+        <p:spPr>
+          <a:xfrm>
+            <a:off x="1663959" y="3744538"/>
+            <a:ext cx="6029614" cy="1477328"/>
           </a:xfrm>
           <a:prstGeom prst="rect">
             <a:avLst/>
           </a:prstGeom>
-        </p:spPr>
-        <p:txBody>
-          <a:bodyPr wrap="square">
+          <a:noFill/>
+        </p:spPr>
+        <p:txBody>
+          <a:bodyPr wrap="square" rtlCol="0">
             <a:spAutoFit/>
           </a:bodyPr>
           <a:lstStyle/>
           <a:p>
             <a:r>
-              <a:rPr lang="ko-KR" altLang="en-US" sz="1400" dirty="0" smtClean="0">
-                <a:ea typeface="맑은 고딕" panose="020B0503020000020004" pitchFamily="50" charset="-127"/>
-              </a:rPr>
-              <a:t>서울시 역사 마스터 정보 </a:t>
-            </a:r>
-            <a:r>
-              <a:rPr lang="en-US" altLang="ko-KR" sz="1400" dirty="0" smtClean="0">
-                <a:ea typeface="맑은 고딕" panose="020B0503020000020004" pitchFamily="50" charset="-127"/>
-              </a:rPr>
-              <a:t>/ </a:t>
-            </a:r>
-            <a:r>
-              <a:rPr lang="ko-KR" altLang="en-US" sz="1400" dirty="0">
-                <a:ea typeface="맑은 고딕" panose="020B0503020000020004" pitchFamily="50" charset="-127"/>
-              </a:rPr>
-              <a:t>서울교통공사 역간 거리 및 소요시간 정보</a:t>
-            </a:r>
-          </a:p>
-        </p:txBody>
-      </p:sp>
-      <p:pic>
-        <p:nvPicPr>
-          <p:cNvPr id="14" name="그림 13"/>
-          <p:cNvPicPr>
-            <a:picLocks noChangeAspect="1"/>
-          </p:cNvPicPr>
-          <p:nvPr/>
-        </p:nvPicPr>
-        <p:blipFill rotWithShape="1">
-          <a:blip r:embed="rId3"/>
-          <a:srcRect r="5762"/>
-          <a:stretch/>
-        </p:blipFill>
-        <p:spPr>
-          <a:xfrm>
-            <a:off x="1225316" y="4884245"/>
-            <a:ext cx="4875078" cy="1215169"/>
-          </a:xfrm>
-          <a:prstGeom prst="rect">
-            <a:avLst/>
-          </a:prstGeom>
-          <a:ln w="76200">
-            <a:solidFill>
-              <a:schemeClr val="bg2">
-                <a:lumMod val="90000"/>
-              </a:schemeClr>
-            </a:solidFill>
-          </a:ln>
-        </p:spPr>
-      </p:pic>
-      <p:pic>
-        <p:nvPicPr>
-          <p:cNvPr id="19" name="그림 18"/>
-          <p:cNvPicPr>
-            <a:picLocks noChangeAspect="1"/>
-          </p:cNvPicPr>
-          <p:nvPr/>
-        </p:nvPicPr>
-        <p:blipFill>
-          <a:blip r:embed="rId4"/>
-          <a:stretch>
-            <a:fillRect/>
-          </a:stretch>
-        </p:blipFill>
-        <p:spPr>
-          <a:xfrm>
-            <a:off x="7201797" y="3174955"/>
-            <a:ext cx="3686175" cy="3267075"/>
-          </a:xfrm>
-          <a:prstGeom prst="rect">
-            <a:avLst/>
-          </a:prstGeom>
-          <a:ln w="76200">
-            <a:solidFill>
-              <a:schemeClr val="bg2">
-                <a:lumMod val="90000"/>
-              </a:schemeClr>
-            </a:solidFill>
-          </a:ln>
-        </p:spPr>
-      </p:pic>
-      <p:sp>
-        <p:nvSpPr>
-          <p:cNvPr id="20" name="오른쪽 화살표 19"/>
-          <p:cNvSpPr/>
-          <p:nvPr/>
-        </p:nvSpPr>
-        <p:spPr>
-          <a:xfrm>
-            <a:off x="6458989" y="4322618"/>
-            <a:ext cx="498764" cy="798022"/>
-          </a:xfrm>
-          <a:prstGeom prst="rightArrow">
-            <a:avLst/>
-          </a:prstGeom>
-          <a:solidFill>
-            <a:schemeClr val="accent6"/>
-          </a:solidFill>
-          <a:ln>
-            <a:solidFill>
-              <a:schemeClr val="accent6"/>
-            </a:solidFill>
-          </a:ln>
-        </p:spPr>
-        <p:style>
-          <a:lnRef idx="2">
-            <a:schemeClr val="accent1">
-              <a:shade val="50000"/>
-            </a:schemeClr>
-          </a:lnRef>
-          <a:fillRef idx="1">
-            <a:schemeClr val="accent1"/>
-          </a:fillRef>
-          <a:effectRef idx="0">
-            <a:schemeClr val="accent1"/>
-          </a:effectRef>
-          <a:fontRef idx="minor">
-            <a:schemeClr val="lt1"/>
-          </a:fontRef>
-        </p:style>
-        <p:txBody>
-          <a:bodyPr rtlCol="0" anchor="ctr"/>
-          <a:lstStyle/>
-          <a:p>
-            <a:pPr algn="ctr"/>
-            <a:endParaRPr lang="ko-KR" altLang="en-US"/>
+              <a:rPr lang="en-US" altLang="ko-KR" dirty="0" smtClean="0"/>
+              <a:t>2</a:t>
+            </a:r>
+            <a:r>
+              <a:rPr lang="ko-KR" altLang="en-US" dirty="0" smtClean="0"/>
+              <a:t>호선 지하철 단어의 앞 글자만 따와</a:t>
+            </a:r>
+            <a:endParaRPr lang="en-US" altLang="ko-KR" dirty="0" smtClean="0"/>
+          </a:p>
+          <a:p>
+            <a:r>
+              <a:rPr lang="en-US" altLang="ko-KR" dirty="0" smtClean="0"/>
+              <a:t>‘2Z’</a:t>
+            </a:r>
+            <a:r>
+              <a:rPr lang="ko-KR" altLang="en-US" dirty="0" smtClean="0"/>
+              <a:t>라는 이름을 지었습니다</a:t>
+            </a:r>
+            <a:r>
+              <a:rPr lang="en-US" altLang="ko-KR" dirty="0" smtClean="0"/>
+              <a:t>.</a:t>
+            </a:r>
+          </a:p>
+          <a:p>
+            <a:endParaRPr lang="en-US" altLang="ko-KR" dirty="0"/>
+          </a:p>
+          <a:p>
+            <a:r>
+              <a:rPr lang="ko-KR" altLang="en-US" dirty="0" smtClean="0"/>
+              <a:t>읽을 때 </a:t>
+            </a:r>
+            <a:r>
+              <a:rPr lang="en-US" altLang="ko-KR" dirty="0" smtClean="0"/>
+              <a:t>‘</a:t>
+            </a:r>
+            <a:r>
+              <a:rPr lang="ko-KR" altLang="en-US" dirty="0" smtClean="0"/>
+              <a:t>이지</a:t>
+            </a:r>
+            <a:r>
+              <a:rPr lang="en-US" altLang="ko-KR" dirty="0" smtClean="0"/>
+              <a:t>(</a:t>
+            </a:r>
+            <a:r>
+              <a:rPr lang="en-US" altLang="ko-KR" dirty="0" err="1" smtClean="0"/>
+              <a:t>esay</a:t>
+            </a:r>
+            <a:r>
+              <a:rPr lang="en-US" altLang="ko-KR" dirty="0" smtClean="0"/>
+              <a:t>)’</a:t>
+            </a:r>
+            <a:r>
+              <a:rPr lang="ko-KR" altLang="en-US" dirty="0" smtClean="0"/>
+              <a:t>라고 발음되어</a:t>
+            </a:r>
+            <a:endParaRPr lang="en-US" altLang="ko-KR" dirty="0" smtClean="0"/>
+          </a:p>
+          <a:p>
+            <a:r>
+              <a:rPr lang="ko-KR" altLang="en-US" dirty="0" smtClean="0"/>
+              <a:t>쉽고 빠른 지하철 정보 검색이라는 의미를 담았습니다</a:t>
+            </a:r>
+            <a:r>
+              <a:rPr lang="en-US" altLang="ko-KR" dirty="0" smtClean="0"/>
+              <a:t>.</a:t>
+            </a:r>
+            <a:endParaRPr lang="ko-KR" altLang="en-US" dirty="0"/>
           </a:p>
         </p:txBody>
       </p:sp>
     </p:spTree>
     <p:extLst>
       <p:ext uri="{BB962C8B-B14F-4D97-AF65-F5344CB8AC3E}">
-        <p14:creationId xmlns:p14="http://schemas.microsoft.com/office/powerpoint/2010/main" val="1814719768"/>
+        <p14:creationId xmlns:p14="http://schemas.microsoft.com/office/powerpoint/2010/main" val="791065250"/>
       </p:ext>
     </p:extLst>
   </p:cSld>
@@ -20610,23 +21779,25 @@
       </p:grpSpPr>
       <p:sp>
         <p:nvSpPr>
-          <p:cNvPr id="2" name="직사각형 1"/>
+          <p:cNvPr id="19" name="모서리가 둥근 직사각형 18"/>
           <p:cNvSpPr/>
           <p:nvPr/>
         </p:nvSpPr>
         <p:spPr>
           <a:xfrm>
-            <a:off x="-36512" y="655843"/>
-            <a:ext cx="12228512" cy="361374"/>
-          </a:xfrm>
-          <a:prstGeom prst="rect">
+            <a:off x="1164857" y="4041831"/>
+            <a:ext cx="4136625" cy="1675393"/>
+          </a:xfrm>
+          <a:prstGeom prst="roundRect">
             <a:avLst/>
           </a:prstGeom>
           <a:solidFill>
-            <a:srgbClr val="64C044"/>
+            <a:schemeClr val="bg1"/>
           </a:solidFill>
           <a:ln>
-            <a:noFill/>
+            <a:solidFill>
+              <a:schemeClr val="bg1"/>
+            </a:solidFill>
           </a:ln>
         </p:spPr>
         <p:style>
@@ -20656,25 +21827,25 @@
       </p:sp>
       <p:sp>
         <p:nvSpPr>
-          <p:cNvPr id="3" name="모서리가 둥근 직사각형 2"/>
+          <p:cNvPr id="18" name="모서리가 둥근 직사각형 17"/>
           <p:cNvSpPr/>
           <p:nvPr/>
         </p:nvSpPr>
         <p:spPr>
           <a:xfrm>
-            <a:off x="472966" y="315310"/>
-            <a:ext cx="6379780" cy="956441"/>
+            <a:off x="1164857" y="1906571"/>
+            <a:ext cx="4136625" cy="1675393"/>
           </a:xfrm>
           <a:prstGeom prst="roundRect">
-            <a:avLst>
-              <a:gd name="adj" fmla="val 50000"/>
-            </a:avLst>
+            <a:avLst/>
           </a:prstGeom>
           <a:solidFill>
-            <a:srgbClr val="64C044"/>
+            <a:schemeClr val="bg1"/>
           </a:solidFill>
           <a:ln>
-            <a:noFill/>
+            <a:solidFill>
+              <a:schemeClr val="bg1"/>
+            </a:solidFill>
           </a:ln>
         </p:spPr>
         <p:style>
@@ -20698,28 +21869,26 @@
           <a:lstStyle/>
           <a:p>
             <a:pPr algn="ctr"/>
-            <a:endParaRPr lang="ko-KR" altLang="en-US" sz="1000"/>
-          </a:p>
-        </p:txBody>
-      </p:sp>
-      <p:sp>
-        <p:nvSpPr>
-          <p:cNvPr id="4" name="모서리가 둥근 직사각형 3"/>
+            <a:endParaRPr lang="ko-KR" altLang="en-US"/>
+          </a:p>
+        </p:txBody>
+      </p:sp>
+      <p:sp>
+        <p:nvSpPr>
+          <p:cNvPr id="2" name="직사각형 1"/>
           <p:cNvSpPr/>
           <p:nvPr/>
         </p:nvSpPr>
         <p:spPr>
           <a:xfrm>
-            <a:off x="578070" y="409903"/>
-            <a:ext cx="6169571" cy="759377"/>
-          </a:xfrm>
-          <a:prstGeom prst="roundRect">
-            <a:avLst>
-              <a:gd name="adj" fmla="val 50000"/>
-            </a:avLst>
+            <a:off x="-36512" y="655843"/>
+            <a:ext cx="12228512" cy="361374"/>
+          </a:xfrm>
+          <a:prstGeom prst="rect">
+            <a:avLst/>
           </a:prstGeom>
           <a:solidFill>
-            <a:schemeClr val="bg1"/>
+            <a:srgbClr val="64C044"/>
           </a:solidFill>
           <a:ln>
             <a:noFill/>
@@ -20746,23 +21915,25 @@
           <a:lstStyle/>
           <a:p>
             <a:pPr algn="ctr"/>
-            <a:endParaRPr lang="ko-KR" altLang="en-US" sz="1000"/>
-          </a:p>
-        </p:txBody>
-      </p:sp>
-      <p:sp>
-        <p:nvSpPr>
-          <p:cNvPr id="5" name="타원 4"/>
+            <a:endParaRPr lang="ko-KR" altLang="en-US"/>
+          </a:p>
+        </p:txBody>
+      </p:sp>
+      <p:sp>
+        <p:nvSpPr>
+          <p:cNvPr id="3" name="모서리가 둥근 직사각형 2"/>
           <p:cNvSpPr/>
           <p:nvPr/>
         </p:nvSpPr>
         <p:spPr>
           <a:xfrm>
-            <a:off x="761445" y="483070"/>
-            <a:ext cx="625920" cy="613041"/>
-          </a:xfrm>
-          <a:prstGeom prst="ellipse">
-            <a:avLst/>
+            <a:off x="472966" y="315310"/>
+            <a:ext cx="6379780" cy="956441"/>
+          </a:xfrm>
+          <a:prstGeom prst="roundRect">
+            <a:avLst>
+              <a:gd name="adj" fmla="val 50000"/>
+            </a:avLst>
           </a:prstGeom>
           <a:solidFill>
             <a:srgbClr val="64C044"/>
@@ -20798,6 +21969,100 @@
       </p:sp>
       <p:sp>
         <p:nvSpPr>
+          <p:cNvPr id="4" name="모서리가 둥근 직사각형 3"/>
+          <p:cNvSpPr/>
+          <p:nvPr/>
+        </p:nvSpPr>
+        <p:spPr>
+          <a:xfrm>
+            <a:off x="578070" y="409903"/>
+            <a:ext cx="6169571" cy="759377"/>
+          </a:xfrm>
+          <a:prstGeom prst="roundRect">
+            <a:avLst>
+              <a:gd name="adj" fmla="val 50000"/>
+            </a:avLst>
+          </a:prstGeom>
+          <a:solidFill>
+            <a:schemeClr val="bg1"/>
+          </a:solidFill>
+          <a:ln>
+            <a:noFill/>
+          </a:ln>
+        </p:spPr>
+        <p:style>
+          <a:lnRef idx="2">
+            <a:schemeClr val="accent1">
+              <a:shade val="50000"/>
+            </a:schemeClr>
+          </a:lnRef>
+          <a:fillRef idx="1">
+            <a:schemeClr val="accent1"/>
+          </a:fillRef>
+          <a:effectRef idx="0">
+            <a:schemeClr val="accent1"/>
+          </a:effectRef>
+          <a:fontRef idx="minor">
+            <a:schemeClr val="lt1"/>
+          </a:fontRef>
+        </p:style>
+        <p:txBody>
+          <a:bodyPr rtlCol="0" anchor="ctr"/>
+          <a:lstStyle/>
+          <a:p>
+            <a:pPr algn="ctr"/>
+            <a:endParaRPr lang="ko-KR" altLang="en-US" sz="1000"/>
+          </a:p>
+        </p:txBody>
+      </p:sp>
+      <p:sp>
+        <p:nvSpPr>
+          <p:cNvPr id="5" name="타원 4"/>
+          <p:cNvSpPr/>
+          <p:nvPr/>
+        </p:nvSpPr>
+        <p:spPr>
+          <a:xfrm>
+            <a:off x="761445" y="483070"/>
+            <a:ext cx="625920" cy="613041"/>
+          </a:xfrm>
+          <a:prstGeom prst="ellipse">
+            <a:avLst/>
+          </a:prstGeom>
+          <a:solidFill>
+            <a:srgbClr val="64C044"/>
+          </a:solidFill>
+          <a:ln>
+            <a:noFill/>
+          </a:ln>
+        </p:spPr>
+        <p:style>
+          <a:lnRef idx="2">
+            <a:schemeClr val="accent1">
+              <a:shade val="50000"/>
+            </a:schemeClr>
+          </a:lnRef>
+          <a:fillRef idx="1">
+            <a:schemeClr val="accent1"/>
+          </a:fillRef>
+          <a:effectRef idx="0">
+            <a:schemeClr val="accent1"/>
+          </a:effectRef>
+          <a:fontRef idx="minor">
+            <a:schemeClr val="lt1"/>
+          </a:fontRef>
+        </p:style>
+        <p:txBody>
+          <a:bodyPr rtlCol="0" anchor="ctr"/>
+          <a:lstStyle/>
+          <a:p>
+            <a:pPr algn="ctr"/>
+            <a:endParaRPr lang="ko-KR" altLang="en-US" sz="1000"/>
+          </a:p>
+        </p:txBody>
+      </p:sp>
+      <p:sp>
+        <p:nvSpPr>
           <p:cNvPr id="6" name="TextBox 5"/>
           <p:cNvSpPr txBox="1"/>
           <p:nvPr/>
@@ -20818,19 +22083,12 @@
           </a:bodyPr>
           <a:lstStyle/>
           <a:p>
-            <a:r>
-              <a:rPr lang="ko-KR" altLang="en-US" sz="2800" dirty="0">
-                <a:latin typeface="맑은 고딕" panose="020B0503020000020004" pitchFamily="50" charset="-127"/>
-                <a:ea typeface="맑은 고딕" panose="020B0503020000020004" pitchFamily="50" charset="-127"/>
-              </a:rPr>
-              <a:t>기능 </a:t>
-            </a:r>
             <a:r>
               <a:rPr lang="ko-KR" altLang="en-US" sz="2800" dirty="0" smtClean="0">
                 <a:latin typeface="맑은 고딕" panose="020B0503020000020004" pitchFamily="50" charset="-127"/>
                 <a:ea typeface="맑은 고딕" panose="020B0503020000020004" pitchFamily="50" charset="-127"/>
               </a:rPr>
-              <a:t>상세</a:t>
+              <a:t>디자인</a:t>
             </a:r>
             <a:endParaRPr lang="en-US" altLang="ko-KR" sz="2800" dirty="0" smtClean="0">
               <a:latin typeface="맑은 고딕" panose="020B0503020000020004" pitchFamily="50" charset="-127"/>
@@ -20841,7 +22099,7 @@
       </p:sp>
       <p:sp>
         <p:nvSpPr>
-          <p:cNvPr id="9" name="TextBox 8"/>
+          <p:cNvPr id="7" name="TextBox 6"/>
           <p:cNvSpPr txBox="1"/>
           <p:nvPr/>
         </p:nvSpPr>
@@ -20862,7 +22120,7 @@
           <a:lstStyle/>
           <a:p>
             <a:r>
-              <a:rPr lang="en-US" altLang="ko-KR" sz="3600" b="1" dirty="0" smtClean="0">
+              <a:rPr lang="en-US" altLang="ko-KR" sz="3600" b="1" dirty="0">
                 <a:solidFill>
                   <a:schemeClr val="bg1"/>
                 </a:solidFill>
@@ -20883,70 +22141,14 @@
       </p:sp>
       <p:sp>
         <p:nvSpPr>
-          <p:cNvPr id="8" name="타원 7"/>
-          <p:cNvSpPr/>
-          <p:nvPr/>
-        </p:nvSpPr>
-        <p:spPr>
-          <a:xfrm>
-            <a:off x="1074405" y="1877321"/>
-            <a:ext cx="557048" cy="557048"/>
-          </a:xfrm>
-          <a:prstGeom prst="ellipse">
-            <a:avLst/>
-          </a:prstGeom>
-          <a:solidFill>
-            <a:srgbClr val="64C044"/>
-          </a:solidFill>
-          <a:ln>
-            <a:noFill/>
-          </a:ln>
-        </p:spPr>
-        <p:style>
-          <a:lnRef idx="2">
-            <a:schemeClr val="accent1">
-              <a:shade val="50000"/>
-            </a:schemeClr>
-          </a:lnRef>
-          <a:fillRef idx="1">
-            <a:schemeClr val="accent1"/>
-          </a:fillRef>
-          <a:effectRef idx="0">
-            <a:schemeClr val="accent1"/>
-          </a:effectRef>
-          <a:fontRef idx="minor">
-            <a:schemeClr val="lt1"/>
-          </a:fontRef>
-        </p:style>
-        <p:txBody>
-          <a:bodyPr rtlCol="0" anchor="ctr"/>
-          <a:lstStyle/>
-          <a:p>
-            <a:pPr algn="ctr"/>
-            <a:r>
-              <a:rPr lang="en-US" altLang="ko-KR" sz="2400" b="1" dirty="0" smtClean="0">
-                <a:latin typeface="맑은 고딕" panose="020B0503020000020004" pitchFamily="50" charset="-127"/>
-                <a:ea typeface="맑은 고딕" panose="020B0503020000020004" pitchFamily="50" charset="-127"/>
-              </a:rPr>
-              <a:t>2</a:t>
-            </a:r>
-            <a:endParaRPr lang="ko-KR" altLang="en-US" sz="2400" b="1" dirty="0">
-              <a:latin typeface="맑은 고딕" panose="020B0503020000020004" pitchFamily="50" charset="-127"/>
-              <a:ea typeface="맑은 고딕" panose="020B0503020000020004" pitchFamily="50" charset="-127"/>
-            </a:endParaRPr>
-          </a:p>
-        </p:txBody>
-      </p:sp>
-      <p:sp>
-        <p:nvSpPr>
-          <p:cNvPr id="10" name="TextBox 9"/>
+          <p:cNvPr id="17" name="TextBox 16"/>
           <p:cNvSpPr txBox="1"/>
           <p:nvPr/>
         </p:nvSpPr>
         <p:spPr>
           <a:xfrm>
-            <a:off x="1841107" y="1961134"/>
-            <a:ext cx="1420582" cy="369332"/>
+            <a:off x="5884197" y="2429511"/>
+            <a:ext cx="4255480" cy="646331"/>
           </a:xfrm>
           <a:prstGeom prst="rect">
             <a:avLst/>
@@ -20954,93 +22156,130 @@
           <a:noFill/>
         </p:spPr>
         <p:txBody>
-          <a:bodyPr wrap="none" rtlCol="0">
+          <a:bodyPr wrap="square" rtlCol="0">
             <a:spAutoFit/>
           </a:bodyPr>
           <a:lstStyle/>
           <a:p>
             <a:r>
-              <a:rPr lang="ko-KR" altLang="en-US" dirty="0" smtClean="0">
-                <a:ea typeface="맑은 고딕" panose="020B0503020000020004" pitchFamily="50" charset="-127"/>
-              </a:rPr>
-              <a:t>노선도 구현</a:t>
-            </a:r>
-            <a:endParaRPr lang="ko-KR" altLang="en-US" dirty="0">
-              <a:ea typeface="맑은 고딕" panose="020B0503020000020004" pitchFamily="50" charset="-127"/>
-            </a:endParaRPr>
-          </a:p>
-        </p:txBody>
-      </p:sp>
-      <p:sp>
-        <p:nvSpPr>
-          <p:cNvPr id="11" name="직사각형 10"/>
-          <p:cNvSpPr/>
-          <p:nvPr/>
-        </p:nvSpPr>
-        <p:spPr>
-          <a:xfrm>
-            <a:off x="1174587" y="3133797"/>
-            <a:ext cx="9407515" cy="307777"/>
-          </a:xfrm>
-          <a:prstGeom prst="rect">
-            <a:avLst/>
-          </a:prstGeom>
-        </p:spPr>
-        <p:txBody>
-          <a:bodyPr wrap="square">
-            <a:spAutoFit/>
-          </a:bodyPr>
-          <a:lstStyle/>
-          <a:p>
-            <a:r>
-              <a:rPr lang="en-US" altLang="ko-KR" sz="1400" dirty="0" smtClean="0">
-                <a:latin typeface="Adobe Devanagari" panose="02040503050201020203" pitchFamily="18" charset="0"/>
-              </a:rPr>
-              <a:t>www.kalyani.com/blog/2010/10/08/subway-map-visualization-jquery-plugin</a:t>
-            </a:r>
-            <a:r>
-              <a:rPr lang="en-US" altLang="ko-KR" sz="1050" dirty="0">
-                <a:latin typeface="Adobe Devanagari" panose="02040503050201020203" pitchFamily="18" charset="0"/>
-                <a:ea typeface="맑은 고딕" panose="020B0503020000020004" pitchFamily="50" charset="-127"/>
-              </a:rPr>
-              <a:t>/</a:t>
-            </a:r>
-            <a:endParaRPr lang="ko-KR" altLang="en-US" sz="1050" dirty="0">
-              <a:latin typeface="Adobe Devanagari" panose="02040503050201020203" pitchFamily="18" charset="0"/>
-              <a:ea typeface="맑은 고딕" panose="020B0503020000020004" pitchFamily="50" charset="-127"/>
-            </a:endParaRPr>
+              <a:rPr lang="ko-KR" altLang="en-US" dirty="0" smtClean="0"/>
+              <a:t>혼잡도를 표정으로 나타내 재미를 주고</a:t>
+            </a:r>
+            <a:endParaRPr lang="en-US" altLang="ko-KR" dirty="0" smtClean="0"/>
+          </a:p>
+          <a:p>
+            <a:r>
+              <a:rPr lang="ko-KR" altLang="en-US" dirty="0" smtClean="0"/>
+              <a:t>쉽게 구별 할 수 있게 함</a:t>
+            </a:r>
+            <a:endParaRPr lang="ko-KR" altLang="en-US" dirty="0"/>
           </a:p>
         </p:txBody>
       </p:sp>
       <p:pic>
         <p:nvPicPr>
-          <p:cNvPr id="15" name="그림 14"/>
+          <p:cNvPr id="9" name="그림 8"/>
           <p:cNvPicPr>
             <a:picLocks noChangeAspect="1"/>
           </p:cNvPicPr>
           <p:nvPr/>
         </p:nvPicPr>
         <p:blipFill>
-          <a:blip r:embed="rId2"/>
+          <a:blip r:embed="rId2">
+            <a:extLst>
+              <a:ext uri="{28A0092B-C50C-407E-A947-70E740481C1C}">
+                <a14:useLocalDpi xmlns:a14="http://schemas.microsoft.com/office/drawing/2010/main" val="0"/>
+              </a:ext>
+            </a:extLst>
+          </a:blip>
           <a:stretch>
             <a:fillRect/>
           </a:stretch>
         </p:blipFill>
         <p:spPr>
           <a:xfrm>
-            <a:off x="472966" y="4131372"/>
-            <a:ext cx="7210425" cy="1524000"/>
+            <a:off x="1542087" y="2053144"/>
+            <a:ext cx="3759395" cy="1399066"/>
           </a:xfrm>
           <a:prstGeom prst="rect">
             <a:avLst/>
           </a:prstGeom>
-          <a:ln w="76200">
-            <a:solidFill>
-              <a:schemeClr val="bg2">
-                <a:lumMod val="90000"/>
-              </a:schemeClr>
-            </a:solidFill>
-          </a:ln>
+        </p:spPr>
+      </p:pic>
+      <p:sp>
+        <p:nvSpPr>
+          <p:cNvPr id="15" name="TextBox 14"/>
+          <p:cNvSpPr txBox="1"/>
+          <p:nvPr/>
+        </p:nvSpPr>
+        <p:spPr>
+          <a:xfrm>
+            <a:off x="5884197" y="4694861"/>
+            <a:ext cx="4255480" cy="369332"/>
+          </a:xfrm>
+          <a:prstGeom prst="rect">
+            <a:avLst/>
+          </a:prstGeom>
+          <a:noFill/>
+        </p:spPr>
+        <p:txBody>
+          <a:bodyPr wrap="square" rtlCol="0">
+            <a:spAutoFit/>
+          </a:bodyPr>
+          <a:lstStyle/>
+          <a:p>
+            <a:r>
+              <a:rPr lang="ko-KR" altLang="en-US" dirty="0" smtClean="0"/>
+              <a:t>외선</a:t>
+            </a:r>
+            <a:r>
+              <a:rPr lang="en-US" altLang="ko-KR" dirty="0" smtClean="0"/>
+              <a:t>, </a:t>
+            </a:r>
+            <a:r>
+              <a:rPr lang="ko-KR" altLang="en-US" dirty="0" smtClean="0"/>
+              <a:t>내선을 지하철 앞</a:t>
+            </a:r>
+            <a:r>
+              <a:rPr lang="en-US" altLang="ko-KR" dirty="0" smtClean="0"/>
+              <a:t>, </a:t>
+            </a:r>
+            <a:r>
+              <a:rPr lang="ko-KR" altLang="en-US" dirty="0" smtClean="0"/>
+              <a:t>뒤로 디자인</a:t>
+            </a:r>
+            <a:endParaRPr lang="en-US" altLang="ko-KR" dirty="0" smtClean="0"/>
+          </a:p>
+        </p:txBody>
+      </p:sp>
+      <p:pic>
+        <p:nvPicPr>
+          <p:cNvPr id="14" name="그림 13"/>
+          <p:cNvPicPr>
+            <a:picLocks noChangeAspect="1"/>
+          </p:cNvPicPr>
+          <p:nvPr/>
+        </p:nvPicPr>
+        <p:blipFill>
+          <a:blip r:embed="rId3">
+            <a:extLst>
+              <a:ext uri="{28A0092B-C50C-407E-A947-70E740481C1C}">
+                <a14:useLocalDpi xmlns:a14="http://schemas.microsoft.com/office/drawing/2010/main" val="0"/>
+              </a:ext>
+            </a:extLst>
+          </a:blip>
+          <a:stretch>
+            <a:fillRect/>
+          </a:stretch>
+        </p:blipFill>
+        <p:spPr>
+          <a:xfrm>
+            <a:off x="3411272" y="4306367"/>
+            <a:ext cx="1146323" cy="1146323"/>
+          </a:xfrm>
+          <a:prstGeom prst="rect">
+            <a:avLst/>
+          </a:prstGeom>
         </p:spPr>
       </p:pic>
       <p:pic>
@@ -21052,348 +22291,31 @@
           <p:nvPr/>
         </p:nvPicPr>
         <p:blipFill>
-          <a:blip r:embed="rId3"/>
+          <a:blip r:embed="rId4">
+            <a:extLst>
+              <a:ext uri="{28A0092B-C50C-407E-A947-70E740481C1C}">
+                <a14:useLocalDpi xmlns:a14="http://schemas.microsoft.com/office/drawing/2010/main" val="0"/>
+              </a:ext>
+            </a:extLst>
+          </a:blip>
           <a:stretch>
             <a:fillRect/>
           </a:stretch>
         </p:blipFill>
         <p:spPr>
           <a:xfrm>
-            <a:off x="7883371" y="3594683"/>
-            <a:ext cx="4029075" cy="2438400"/>
+            <a:off x="1832121" y="4306368"/>
+            <a:ext cx="1146323" cy="1146323"/>
           </a:xfrm>
           <a:prstGeom prst="rect">
             <a:avLst/>
           </a:prstGeom>
-          <a:ln w="76200">
-            <a:solidFill>
-              <a:schemeClr val="bg2">
-                <a:lumMod val="90000"/>
-              </a:schemeClr>
-            </a:solidFill>
-          </a:ln>
-          <a:effectLst/>
-        </p:spPr>
-        <p:style>
-          <a:lnRef idx="2">
-            <a:schemeClr val="dk1"/>
-          </a:lnRef>
-          <a:fillRef idx="1">
-            <a:schemeClr val="lt1"/>
-          </a:fillRef>
-          <a:effectRef idx="0">
-            <a:schemeClr val="dk1"/>
-          </a:effectRef>
-          <a:fontRef idx="minor">
-            <a:schemeClr val="dk1"/>
-          </a:fontRef>
-        </p:style>
+        </p:spPr>
       </p:pic>
-      <p:sp>
-        <p:nvSpPr>
-          <p:cNvPr id="17" name="타원 16"/>
-          <p:cNvSpPr/>
-          <p:nvPr/>
-        </p:nvSpPr>
-        <p:spPr>
-          <a:xfrm>
-            <a:off x="1841107" y="4523802"/>
-            <a:ext cx="463463" cy="409054"/>
-          </a:xfrm>
-          <a:prstGeom prst="ellipse">
-            <a:avLst/>
-          </a:prstGeom>
-          <a:noFill/>
-          <a:ln w="76200">
-            <a:solidFill>
-              <a:schemeClr val="accent6"/>
-            </a:solidFill>
-          </a:ln>
-        </p:spPr>
-        <p:style>
-          <a:lnRef idx="2">
-            <a:schemeClr val="accent1">
-              <a:shade val="50000"/>
-            </a:schemeClr>
-          </a:lnRef>
-          <a:fillRef idx="1">
-            <a:schemeClr val="accent1"/>
-          </a:fillRef>
-          <a:effectRef idx="0">
-            <a:schemeClr val="accent1"/>
-          </a:effectRef>
-          <a:fontRef idx="minor">
-            <a:schemeClr val="lt1"/>
-          </a:fontRef>
-        </p:style>
-        <p:txBody>
-          <a:bodyPr rtlCol="0" anchor="ctr"/>
-          <a:lstStyle/>
-          <a:p>
-            <a:pPr algn="ctr"/>
-            <a:endParaRPr lang="ko-KR" altLang="en-US" dirty="0"/>
-          </a:p>
-        </p:txBody>
-      </p:sp>
-      <p:sp>
-        <p:nvSpPr>
-          <p:cNvPr id="19" name="타원 18"/>
-          <p:cNvSpPr/>
-          <p:nvPr/>
-        </p:nvSpPr>
-        <p:spPr>
-          <a:xfrm>
-            <a:off x="8469201" y="4193317"/>
-            <a:ext cx="463463" cy="409054"/>
-          </a:xfrm>
-          <a:prstGeom prst="ellipse">
-            <a:avLst/>
-          </a:prstGeom>
-          <a:noFill/>
-          <a:ln w="76200">
-            <a:solidFill>
-              <a:schemeClr val="accent6"/>
-            </a:solidFill>
-          </a:ln>
-        </p:spPr>
-        <p:style>
-          <a:lnRef idx="2">
-            <a:schemeClr val="accent1">
-              <a:shade val="50000"/>
-            </a:schemeClr>
-          </a:lnRef>
-          <a:fillRef idx="1">
-            <a:schemeClr val="accent1"/>
-          </a:fillRef>
-          <a:effectRef idx="0">
-            <a:schemeClr val="accent1"/>
-          </a:effectRef>
-          <a:fontRef idx="minor">
-            <a:schemeClr val="lt1"/>
-          </a:fontRef>
-        </p:style>
-        <p:txBody>
-          <a:bodyPr rtlCol="0" anchor="ctr"/>
-          <a:lstStyle/>
-          <a:p>
-            <a:pPr algn="ctr"/>
-            <a:endParaRPr lang="ko-KR" altLang="en-US" dirty="0"/>
-          </a:p>
-        </p:txBody>
-      </p:sp>
-      <p:sp>
-        <p:nvSpPr>
-          <p:cNvPr id="20" name="타원 19"/>
-          <p:cNvSpPr/>
-          <p:nvPr/>
-        </p:nvSpPr>
-        <p:spPr>
-          <a:xfrm>
-            <a:off x="9273272" y="4193317"/>
-            <a:ext cx="463463" cy="409054"/>
-          </a:xfrm>
-          <a:prstGeom prst="ellipse">
-            <a:avLst/>
-          </a:prstGeom>
-          <a:noFill/>
-          <a:ln w="76200">
-            <a:solidFill>
-              <a:schemeClr val="accent2"/>
-            </a:solidFill>
-          </a:ln>
-        </p:spPr>
-        <p:style>
-          <a:lnRef idx="2">
-            <a:schemeClr val="accent1">
-              <a:shade val="50000"/>
-            </a:schemeClr>
-          </a:lnRef>
-          <a:fillRef idx="1">
-            <a:schemeClr val="accent1"/>
-          </a:fillRef>
-          <a:effectRef idx="0">
-            <a:schemeClr val="accent1"/>
-          </a:effectRef>
-          <a:fontRef idx="minor">
-            <a:schemeClr val="lt1"/>
-          </a:fontRef>
-        </p:style>
-        <p:txBody>
-          <a:bodyPr rtlCol="0" anchor="ctr"/>
-          <a:lstStyle/>
-          <a:p>
-            <a:pPr algn="ctr"/>
-            <a:endParaRPr lang="ko-KR" altLang="en-US" dirty="0"/>
-          </a:p>
-        </p:txBody>
-      </p:sp>
-      <p:sp>
-        <p:nvSpPr>
-          <p:cNvPr id="22" name="타원 21"/>
-          <p:cNvSpPr/>
-          <p:nvPr/>
-        </p:nvSpPr>
-        <p:spPr>
-          <a:xfrm>
-            <a:off x="1803310" y="4885060"/>
-            <a:ext cx="463463" cy="409054"/>
-          </a:xfrm>
-          <a:prstGeom prst="ellipse">
-            <a:avLst/>
-          </a:prstGeom>
-          <a:noFill/>
-          <a:ln w="76200">
-            <a:solidFill>
-              <a:schemeClr val="accent2"/>
-            </a:solidFill>
-          </a:ln>
-        </p:spPr>
-        <p:style>
-          <a:lnRef idx="2">
-            <a:schemeClr val="accent1">
-              <a:shade val="50000"/>
-            </a:schemeClr>
-          </a:lnRef>
-          <a:fillRef idx="1">
-            <a:schemeClr val="accent1"/>
-          </a:fillRef>
-          <a:effectRef idx="0">
-            <a:schemeClr val="accent1"/>
-          </a:effectRef>
-          <a:fontRef idx="minor">
-            <a:schemeClr val="lt1"/>
-          </a:fontRef>
-        </p:style>
-        <p:txBody>
-          <a:bodyPr rtlCol="0" anchor="ctr"/>
-          <a:lstStyle/>
-          <a:p>
-            <a:pPr algn="ctr"/>
-            <a:endParaRPr lang="ko-KR" altLang="en-US" dirty="0"/>
-          </a:p>
-        </p:txBody>
-      </p:sp>
-      <p:cxnSp>
-        <p:nvCxnSpPr>
-          <p:cNvPr id="24" name="직선 화살표 연결선 23"/>
-          <p:cNvCxnSpPr/>
-          <p:nvPr/>
-        </p:nvCxnSpPr>
-        <p:spPr>
-          <a:xfrm flipV="1">
-            <a:off x="2591628" y="4421569"/>
-            <a:ext cx="5677593" cy="242746"/>
-          </a:xfrm>
-          <a:prstGeom prst="straightConnector1">
-            <a:avLst/>
-          </a:prstGeom>
-          <a:ln w="76200">
-            <a:solidFill>
-              <a:schemeClr val="accent6"/>
-            </a:solidFill>
-            <a:tailEnd type="triangle"/>
-          </a:ln>
-        </p:spPr>
-        <p:style>
-          <a:lnRef idx="1">
-            <a:schemeClr val="accent1"/>
-          </a:lnRef>
-          <a:fillRef idx="0">
-            <a:schemeClr val="accent1"/>
-          </a:fillRef>
-          <a:effectRef idx="0">
-            <a:schemeClr val="accent1"/>
-          </a:effectRef>
-          <a:fontRef idx="minor">
-            <a:schemeClr val="tx1"/>
-          </a:fontRef>
-        </p:style>
-      </p:cxnSp>
-      <p:cxnSp>
-        <p:nvCxnSpPr>
-          <p:cNvPr id="26" name="직선 화살표 연결선 25"/>
-          <p:cNvCxnSpPr/>
-          <p:nvPr/>
-        </p:nvCxnSpPr>
-        <p:spPr>
-          <a:xfrm flipV="1">
-            <a:off x="2591628" y="4664315"/>
-            <a:ext cx="6704203" cy="535817"/>
-          </a:xfrm>
-          <a:prstGeom prst="straightConnector1">
-            <a:avLst/>
-          </a:prstGeom>
-          <a:ln w="76200">
-            <a:solidFill>
-              <a:schemeClr val="accent2"/>
-            </a:solidFill>
-            <a:tailEnd type="triangle"/>
-          </a:ln>
-        </p:spPr>
-        <p:style>
-          <a:lnRef idx="1">
-            <a:schemeClr val="accent1"/>
-          </a:lnRef>
-          <a:fillRef idx="0">
-            <a:schemeClr val="accent1"/>
-          </a:fillRef>
-          <a:effectRef idx="0">
-            <a:schemeClr val="accent1"/>
-          </a:effectRef>
-          <a:fontRef idx="minor">
-            <a:schemeClr val="tx1"/>
-          </a:fontRef>
-        </p:style>
-      </p:cxnSp>
-      <p:sp>
-        <p:nvSpPr>
-          <p:cNvPr id="28" name="TextBox 27"/>
-          <p:cNvSpPr txBox="1"/>
-          <p:nvPr/>
-        </p:nvSpPr>
-        <p:spPr>
-          <a:xfrm>
-            <a:off x="1174587" y="2642133"/>
-            <a:ext cx="4240263" cy="369332"/>
-          </a:xfrm>
-          <a:prstGeom prst="rect">
-            <a:avLst/>
-          </a:prstGeom>
-          <a:noFill/>
-        </p:spPr>
-        <p:txBody>
-          <a:bodyPr wrap="none" rtlCol="0">
-            <a:spAutoFit/>
-          </a:bodyPr>
-          <a:lstStyle/>
-          <a:p>
-            <a:r>
-              <a:rPr lang="en-US" altLang="ko-KR" dirty="0" err="1">
-                <a:latin typeface="Adobe Devanagari" panose="02040503050201020203" pitchFamily="18" charset="0"/>
-                <a:ea typeface="맑은 고딕" panose="020B0503020000020004" pitchFamily="50" charset="-127"/>
-              </a:rPr>
-              <a:t>SubwayMap</a:t>
-            </a:r>
-            <a:r>
-              <a:rPr lang="en-US" altLang="ko-KR" dirty="0">
-                <a:latin typeface="Adobe Devanagari" panose="02040503050201020203" pitchFamily="18" charset="0"/>
-                <a:ea typeface="맑은 고딕" panose="020B0503020000020004" pitchFamily="50" charset="-127"/>
-              </a:rPr>
-              <a:t> plugin  :  jQuery And Canvas </a:t>
-            </a:r>
-            <a:r>
-              <a:rPr lang="ko-KR" altLang="en-US" sz="1600" dirty="0">
-                <a:ea typeface="맑은 고딕" panose="020B0503020000020004" pitchFamily="50" charset="-127"/>
-              </a:rPr>
-              <a:t>기반</a:t>
-            </a:r>
-          </a:p>
-        </p:txBody>
-      </p:sp>
     </p:spTree>
     <p:extLst>
       <p:ext uri="{BB962C8B-B14F-4D97-AF65-F5344CB8AC3E}">
-        <p14:creationId xmlns:p14="http://schemas.microsoft.com/office/powerpoint/2010/main" val="508702560"/>
+        <p14:creationId xmlns:p14="http://schemas.microsoft.com/office/powerpoint/2010/main" val="2448516085"/>
       </p:ext>
     </p:extLst>
   </p:cSld>
@@ -21638,11 +22560,18 @@
           <a:lstStyle/>
           <a:p>
             <a:r>
+              <a:rPr lang="ko-KR" altLang="en-US" sz="2800" dirty="0">
+                <a:latin typeface="맑은 고딕" panose="020B0503020000020004" pitchFamily="50" charset="-127"/>
+                <a:ea typeface="맑은 고딕" panose="020B0503020000020004" pitchFamily="50" charset="-127"/>
+              </a:rPr>
+              <a:t>기능 </a:t>
+            </a:r>
+            <a:r>
               <a:rPr lang="ko-KR" altLang="en-US" sz="2800" dirty="0" smtClean="0">
                 <a:latin typeface="맑은 고딕" panose="020B0503020000020004" pitchFamily="50" charset="-127"/>
                 <a:ea typeface="맑은 고딕" panose="020B0503020000020004" pitchFamily="50" charset="-127"/>
               </a:rPr>
-              <a:t>기능 상세</a:t>
+              <a:t>상세</a:t>
             </a:r>
             <a:endParaRPr lang="en-US" altLang="ko-KR" sz="2800" dirty="0" smtClean="0">
               <a:latin typeface="맑은 고딕" panose="020B0503020000020004" pitchFamily="50" charset="-127"/>
@@ -21683,13 +22612,6 @@
               </a:rPr>
               <a:t>3</a:t>
             </a:r>
-            <a:endParaRPr lang="ko-KR" altLang="en-US" sz="3600" b="1" dirty="0">
-              <a:solidFill>
-                <a:schemeClr val="bg1"/>
-              </a:solidFill>
-              <a:latin typeface="맑은 고딕" panose="020B0503020000020004" pitchFamily="50" charset="-127"/>
-              <a:ea typeface="맑은 고딕" panose="020B0503020000020004" pitchFamily="50" charset="-127"/>
-            </a:endParaRPr>
           </a:p>
         </p:txBody>
       </p:sp>
@@ -21740,7 +22662,7 @@
                 <a:latin typeface="맑은 고딕" panose="020B0503020000020004" pitchFamily="50" charset="-127"/>
                 <a:ea typeface="맑은 고딕" panose="020B0503020000020004" pitchFamily="50" charset="-127"/>
               </a:rPr>
-              <a:t>2</a:t>
+              <a:t>1</a:t>
             </a:r>
             <a:endParaRPr lang="ko-KR" altLang="en-US" sz="2400" b="1" dirty="0">
               <a:latin typeface="맑은 고딕" panose="020B0503020000020004" pitchFamily="50" charset="-127"/>
@@ -21757,7 +22679,7 @@
         </p:nvSpPr>
         <p:spPr>
           <a:xfrm>
-            <a:off x="1855721" y="1959586"/>
+            <a:off x="1847370" y="1949323"/>
             <a:ext cx="1420582" cy="369332"/>
           </a:xfrm>
           <a:prstGeom prst="rect">
@@ -21775,7 +22697,7 @@
               <a:rPr lang="ko-KR" altLang="en-US" dirty="0" smtClean="0">
                 <a:ea typeface="맑은 고딕" panose="020B0503020000020004" pitchFamily="50" charset="-127"/>
               </a:rPr>
-              <a:t>노선도 구현</a:t>
+              <a:t>데이터 수집</a:t>
             </a:r>
             <a:endParaRPr lang="ko-KR" altLang="en-US" dirty="0">
               <a:ea typeface="맑은 고딕" panose="020B0503020000020004" pitchFamily="50" charset="-127"/>
@@ -21785,7 +22707,7 @@
       </p:sp>
       <p:pic>
         <p:nvPicPr>
-          <p:cNvPr id="15" name="그림 14"/>
+          <p:cNvPr id="11" name="그림 10"/>
           <p:cNvPicPr>
             <a:picLocks noChangeAspect="1"/>
           </p:cNvPicPr>
@@ -21799,8 +22721,8 @@
         </p:blipFill>
         <p:spPr>
           <a:xfrm>
-            <a:off x="7473197" y="3207121"/>
-            <a:ext cx="7210425" cy="1524000"/>
+            <a:off x="1225316" y="3446234"/>
+            <a:ext cx="4875078" cy="1136646"/>
           </a:xfrm>
           <a:prstGeom prst="rect">
             <a:avLst/>
@@ -21816,154 +22738,49 @@
       </p:pic>
       <p:sp>
         <p:nvSpPr>
-          <p:cNvPr id="18" name="TextBox 17"/>
-          <p:cNvSpPr txBox="1"/>
-          <p:nvPr/>
-        </p:nvSpPr>
-        <p:spPr>
-          <a:xfrm>
-            <a:off x="1277032" y="5972966"/>
-            <a:ext cx="10144003" cy="646331"/>
+          <p:cNvPr id="13" name="직사각형 12"/>
+          <p:cNvSpPr/>
+          <p:nvPr/>
+        </p:nvSpPr>
+        <p:spPr>
+          <a:xfrm>
+            <a:off x="1387364" y="2562139"/>
+            <a:ext cx="9422597" cy="307777"/>
           </a:xfrm>
           <a:prstGeom prst="rect">
             <a:avLst/>
           </a:prstGeom>
-          <a:noFill/>
-        </p:spPr>
-        <p:txBody>
-          <a:bodyPr wrap="square" rtlCol="0">
+        </p:spPr>
+        <p:txBody>
+          <a:bodyPr wrap="square">
             <a:spAutoFit/>
           </a:bodyPr>
           <a:lstStyle/>
           <a:p>
-            <a:pPr marL="285750" indent="-285750">
-              <a:buFont typeface="Arial" panose="020B0604020202020204" pitchFamily="34" charset="0"/>
-              <a:buChar char="•"/>
-            </a:pPr>
-            <a:r>
-              <a:rPr lang="en-US" altLang="ko-KR" dirty="0" smtClean="0">
-                <a:latin typeface="Adobe Devanagari" panose="02040503050201020203" pitchFamily="18" charset="0"/>
+            <a:r>
+              <a:rPr lang="ko-KR" altLang="en-US" sz="1400" dirty="0" smtClean="0">
                 <a:ea typeface="맑은 고딕" panose="020B0503020000020004" pitchFamily="50" charset="-127"/>
               </a:rPr>
-              <a:t>Canvas</a:t>
-            </a:r>
-            <a:r>
-              <a:rPr lang="ko-KR" altLang="en-US" dirty="0" smtClean="0">
+              <a:t>서울시 역사 마스터 정보 </a:t>
+            </a:r>
+            <a:r>
+              <a:rPr lang="en-US" altLang="ko-KR" sz="1400" dirty="0" smtClean="0">
                 <a:ea typeface="맑은 고딕" panose="020B0503020000020004" pitchFamily="50" charset="-127"/>
               </a:rPr>
-              <a:t>로 그려진 역 </a:t>
-            </a:r>
-            <a:r>
-              <a:rPr lang="ko-KR" altLang="en-US" dirty="0" err="1" smtClean="0">
+              <a:t>/ </a:t>
+            </a:r>
+            <a:r>
+              <a:rPr lang="ko-KR" altLang="en-US" sz="1400" dirty="0">
                 <a:ea typeface="맑은 고딕" panose="020B0503020000020004" pitchFamily="50" charset="-127"/>
               </a:rPr>
-              <a:t>마커와의</a:t>
-            </a:r>
-            <a:r>
-              <a:rPr lang="ko-KR" altLang="en-US" dirty="0" smtClean="0">
-                <a:ea typeface="맑은 고딕" panose="020B0503020000020004" pitchFamily="50" charset="-127"/>
-              </a:rPr>
-              <a:t> 상호작용 어려움 </a:t>
-            </a:r>
-            <a:r>
-              <a:rPr lang="en-US" altLang="ko-KR" dirty="0" smtClean="0">
-                <a:ea typeface="맑은 고딕" panose="020B0503020000020004" pitchFamily="50" charset="-127"/>
-              </a:rPr>
-              <a:t>=&gt; </a:t>
-            </a:r>
-            <a:r>
-              <a:rPr lang="ko-KR" altLang="en-US" dirty="0" err="1" smtClean="0">
-                <a:ea typeface="맑은 고딕" panose="020B0503020000020004" pitchFamily="50" charset="-127"/>
-              </a:rPr>
-              <a:t>마커</a:t>
-            </a:r>
-            <a:r>
-              <a:rPr lang="ko-KR" altLang="en-US" dirty="0" smtClean="0">
-                <a:ea typeface="맑은 고딕" panose="020B0503020000020004" pitchFamily="50" charset="-127"/>
-              </a:rPr>
-              <a:t> 위치에 </a:t>
-            </a:r>
-            <a:r>
-              <a:rPr lang="en-US" altLang="ko-KR" dirty="0" smtClean="0">
-                <a:latin typeface="Adobe Devanagari" panose="02040503050201020203" pitchFamily="18" charset="0"/>
-                <a:ea typeface="맑은 고딕" panose="020B0503020000020004" pitchFamily="50" charset="-127"/>
-              </a:rPr>
-              <a:t>a</a:t>
-            </a:r>
-            <a:r>
-              <a:rPr lang="en-US" altLang="ko-KR" dirty="0" smtClean="0">
-                <a:ea typeface="맑은 고딕" panose="020B0503020000020004" pitchFamily="50" charset="-127"/>
-              </a:rPr>
-              <a:t> </a:t>
-            </a:r>
-            <a:r>
-              <a:rPr lang="ko-KR" altLang="en-US" dirty="0" smtClean="0">
-                <a:ea typeface="맑은 고딕" panose="020B0503020000020004" pitchFamily="50" charset="-127"/>
-              </a:rPr>
-              <a:t>태그가 오도록 수정</a:t>
-            </a:r>
-            <a:endParaRPr lang="en-US" altLang="ko-KR" dirty="0" smtClean="0">
-              <a:ea typeface="맑은 고딕" panose="020B0503020000020004" pitchFamily="50" charset="-127"/>
-            </a:endParaRPr>
-          </a:p>
-          <a:p>
-            <a:pPr marL="285750" indent="-285750">
-              <a:buFont typeface="Arial" panose="020B0604020202020204" pitchFamily="34" charset="0"/>
-              <a:buChar char="•"/>
-            </a:pPr>
-            <a:r>
-              <a:rPr lang="ko-KR" altLang="en-US" dirty="0" smtClean="0">
-                <a:ea typeface="맑은 고딕" panose="020B0503020000020004" pitchFamily="50" charset="-127"/>
-              </a:rPr>
-              <a:t>동그란 모양의 </a:t>
-            </a:r>
-            <a:r>
-              <a:rPr lang="en-US" altLang="ko-KR" dirty="0" smtClean="0">
-                <a:latin typeface="Adobe Devanagari" panose="02040503050201020203" pitchFamily="18" charset="0"/>
-                <a:ea typeface="맑은 고딕" panose="020B0503020000020004" pitchFamily="50" charset="-127"/>
-              </a:rPr>
-              <a:t>Station</a:t>
-            </a:r>
-            <a:r>
-              <a:rPr lang="ko-KR" altLang="en-US" dirty="0" smtClean="0">
-                <a:ea typeface="맑은 고딕" panose="020B0503020000020004" pitchFamily="50" charset="-127"/>
-              </a:rPr>
-              <a:t>외에 </a:t>
-            </a:r>
-            <a:r>
-              <a:rPr lang="en-US" altLang="ko-KR" dirty="0" smtClean="0">
-                <a:latin typeface="Adobe Devanagari" panose="02040503050201020203" pitchFamily="18" charset="0"/>
-                <a:ea typeface="맑은 고딕" panose="020B0503020000020004" pitchFamily="50" charset="-127"/>
-              </a:rPr>
-              <a:t>train</a:t>
-            </a:r>
-            <a:r>
-              <a:rPr lang="en-US" altLang="ko-KR" dirty="0" smtClean="0">
-                <a:ea typeface="맑은 고딕" panose="020B0503020000020004" pitchFamily="50" charset="-127"/>
-              </a:rPr>
-              <a:t> </a:t>
-            </a:r>
-            <a:r>
-              <a:rPr lang="ko-KR" altLang="en-US" dirty="0" err="1" smtClean="0">
-                <a:ea typeface="맑은 고딕" panose="020B0503020000020004" pitchFamily="50" charset="-127"/>
-              </a:rPr>
-              <a:t>마커</a:t>
-            </a:r>
-            <a:r>
-              <a:rPr lang="ko-KR" altLang="en-US" dirty="0" smtClean="0">
-                <a:ea typeface="맑은 고딕" panose="020B0503020000020004" pitchFamily="50" charset="-127"/>
-              </a:rPr>
-              <a:t> 추가</a:t>
-            </a:r>
-            <a:endParaRPr lang="en-US" altLang="ko-KR" dirty="0" smtClean="0">
-              <a:ea typeface="맑은 고딕" panose="020B0503020000020004" pitchFamily="50" charset="-127"/>
-            </a:endParaRPr>
+              <a:t>서울교통공사 역간 거리 및 소요시간 정보</a:t>
+            </a:r>
           </a:p>
         </p:txBody>
       </p:sp>
       <p:pic>
         <p:nvPicPr>
-          <p:cNvPr id="7" name="그림 6"/>
+          <p:cNvPr id="14" name="그림 13"/>
           <p:cNvPicPr>
             <a:picLocks noChangeAspect="1"/>
           </p:cNvPicPr>
@@ -21971,13 +22788,13 @@
         </p:nvPicPr>
         <p:blipFill rotWithShape="1">
           <a:blip r:embed="rId3"/>
-          <a:srcRect r="21765"/>
+          <a:srcRect r="5762"/>
           <a:stretch/>
         </p:blipFill>
         <p:spPr>
           <a:xfrm>
-            <a:off x="212656" y="2822122"/>
-            <a:ext cx="2254898" cy="2191153"/>
+            <a:off x="1225316" y="4884245"/>
+            <a:ext cx="4875078" cy="1215169"/>
           </a:xfrm>
           <a:prstGeom prst="rect">
             <a:avLst/>
@@ -21993,7 +22810,7 @@
       </p:pic>
       <p:pic>
         <p:nvPicPr>
-          <p:cNvPr id="12" name="그림 11"/>
+          <p:cNvPr id="19" name="그림 18"/>
           <p:cNvPicPr>
             <a:picLocks noChangeAspect="1"/>
           </p:cNvPicPr>
@@ -22007,8 +22824,8 @@
         </p:blipFill>
         <p:spPr>
           <a:xfrm>
-            <a:off x="4980282" y="2714527"/>
-            <a:ext cx="1981200" cy="2905125"/>
+            <a:off x="7201797" y="3174955"/>
+            <a:ext cx="3686175" cy="3267075"/>
           </a:xfrm>
           <a:prstGeom prst="rect">
             <a:avLst/>
@@ -22024,20 +22841,22 @@
       </p:pic>
       <p:sp>
         <p:nvSpPr>
-          <p:cNvPr id="24" name="타원 23"/>
+          <p:cNvPr id="20" name="오른쪽 화살표 19"/>
           <p:cNvSpPr/>
           <p:nvPr/>
         </p:nvSpPr>
         <p:spPr>
           <a:xfrm>
-            <a:off x="5098782" y="5011143"/>
-            <a:ext cx="661664" cy="523444"/>
-          </a:xfrm>
-          <a:prstGeom prst="ellipse">
+            <a:off x="6458989" y="4322618"/>
+            <a:ext cx="498764" cy="798022"/>
+          </a:xfrm>
+          <a:prstGeom prst="rightArrow">
             <a:avLst/>
           </a:prstGeom>
-          <a:noFill/>
-          <a:ln w="76200">
+          <a:solidFill>
+            <a:schemeClr val="accent6"/>
+          </a:solidFill>
+          <a:ln>
             <a:solidFill>
               <a:schemeClr val="accent6"/>
             </a:solidFill>
@@ -22064,163 +22883,14 @@
           <a:lstStyle/>
           <a:p>
             <a:pPr algn="ctr"/>
-            <a:endParaRPr lang="ko-KR" altLang="en-US" dirty="0"/>
-          </a:p>
-        </p:txBody>
-      </p:sp>
-      <p:sp>
-        <p:nvSpPr>
-          <p:cNvPr id="25" name="타원 24"/>
-          <p:cNvSpPr/>
-          <p:nvPr/>
-        </p:nvSpPr>
-        <p:spPr>
-          <a:xfrm>
-            <a:off x="5145466" y="4106367"/>
-            <a:ext cx="661664" cy="523444"/>
-          </a:xfrm>
-          <a:prstGeom prst="ellipse">
-            <a:avLst/>
-          </a:prstGeom>
-          <a:noFill/>
-          <a:ln w="76200">
-            <a:solidFill>
-              <a:schemeClr val="accent6"/>
-            </a:solidFill>
-          </a:ln>
-        </p:spPr>
-        <p:style>
-          <a:lnRef idx="2">
-            <a:schemeClr val="accent1">
-              <a:shade val="50000"/>
-            </a:schemeClr>
-          </a:lnRef>
-          <a:fillRef idx="1">
-            <a:schemeClr val="accent1"/>
-          </a:fillRef>
-          <a:effectRef idx="0">
-            <a:schemeClr val="accent1"/>
-          </a:effectRef>
-          <a:fontRef idx="minor">
-            <a:schemeClr val="lt1"/>
-          </a:fontRef>
-        </p:style>
-        <p:txBody>
-          <a:bodyPr rtlCol="0" anchor="ctr"/>
-          <a:lstStyle/>
-          <a:p>
-            <a:pPr algn="ctr"/>
-            <a:endParaRPr lang="ko-KR" altLang="en-US" dirty="0"/>
-          </a:p>
-        </p:txBody>
-      </p:sp>
-      <p:pic>
-        <p:nvPicPr>
-          <p:cNvPr id="26" name="그림 25"/>
-          <p:cNvPicPr>
-            <a:picLocks noChangeAspect="1"/>
-          </p:cNvPicPr>
-          <p:nvPr/>
-        </p:nvPicPr>
-        <p:blipFill>
-          <a:blip r:embed="rId5"/>
-          <a:stretch>
-            <a:fillRect/>
-          </a:stretch>
-        </p:blipFill>
-        <p:spPr>
-          <a:xfrm>
-            <a:off x="2684500" y="2853107"/>
-            <a:ext cx="1908705" cy="2129182"/>
-          </a:xfrm>
-          <a:prstGeom prst="rect">
-            <a:avLst/>
-          </a:prstGeom>
-          <a:ln w="76200">
-            <a:solidFill>
-              <a:schemeClr val="bg2">
-                <a:lumMod val="90000"/>
-              </a:schemeClr>
-            </a:solidFill>
-          </a:ln>
-        </p:spPr>
-      </p:pic>
-      <p:cxnSp>
-        <p:nvCxnSpPr>
-          <p:cNvPr id="28" name="직선 화살표 연결선 27"/>
-          <p:cNvCxnSpPr/>
-          <p:nvPr/>
-        </p:nvCxnSpPr>
-        <p:spPr>
-          <a:xfrm flipV="1">
-            <a:off x="6077744" y="3917698"/>
-            <a:ext cx="2676789" cy="332569"/>
-          </a:xfrm>
-          <a:prstGeom prst="straightConnector1">
-            <a:avLst/>
-          </a:prstGeom>
-          <a:ln w="76200">
-            <a:solidFill>
-              <a:schemeClr val="accent6"/>
-            </a:solidFill>
-            <a:tailEnd type="triangle"/>
-          </a:ln>
-        </p:spPr>
-        <p:style>
-          <a:lnRef idx="1">
-            <a:schemeClr val="accent1"/>
-          </a:lnRef>
-          <a:fillRef idx="0">
-            <a:schemeClr val="accent1"/>
-          </a:fillRef>
-          <a:effectRef idx="0">
-            <a:schemeClr val="accent1"/>
-          </a:effectRef>
-          <a:fontRef idx="minor">
-            <a:schemeClr val="tx1"/>
-          </a:fontRef>
-        </p:style>
-      </p:cxnSp>
-      <p:cxnSp>
-        <p:nvCxnSpPr>
-          <p:cNvPr id="30" name="직선 화살표 연결선 29"/>
-          <p:cNvCxnSpPr/>
-          <p:nvPr/>
-        </p:nvCxnSpPr>
-        <p:spPr>
-          <a:xfrm flipV="1">
-            <a:off x="5878945" y="3984658"/>
-            <a:ext cx="2816322" cy="1342178"/>
-          </a:xfrm>
-          <a:prstGeom prst="straightConnector1">
-            <a:avLst/>
-          </a:prstGeom>
-          <a:ln w="76200">
-            <a:solidFill>
-              <a:schemeClr val="accent6"/>
-            </a:solidFill>
-            <a:tailEnd type="triangle"/>
-          </a:ln>
-        </p:spPr>
-        <p:style>
-          <a:lnRef idx="1">
-            <a:schemeClr val="accent1"/>
-          </a:lnRef>
-          <a:fillRef idx="0">
-            <a:schemeClr val="accent1"/>
-          </a:fillRef>
-          <a:effectRef idx="0">
-            <a:schemeClr val="accent1"/>
-          </a:effectRef>
-          <a:fontRef idx="minor">
-            <a:schemeClr val="tx1"/>
-          </a:fontRef>
-        </p:style>
-      </p:cxnSp>
+            <a:endParaRPr lang="ko-KR" altLang="en-US"/>
+          </a:p>
+        </p:txBody>
+      </p:sp>
     </p:spTree>
     <p:extLst>
       <p:ext uri="{BB962C8B-B14F-4D97-AF65-F5344CB8AC3E}">
-        <p14:creationId xmlns:p14="http://schemas.microsoft.com/office/powerpoint/2010/main" val="1561878117"/>
+        <p14:creationId xmlns:p14="http://schemas.microsoft.com/office/powerpoint/2010/main" val="1814719768"/>
       </p:ext>
     </p:extLst>
   </p:cSld>
